--- a/Slides/27. Padrões e Scripts.pptx
+++ b/Slides/27. Padrões e Scripts.pptx
@@ -136,13 +136,472 @@
 <file path=ppt/revisionInfo.xml><?xml version="1.0" encoding="utf-8"?>
 <p1510:revInfo xmlns:a="http://schemas.openxmlformats.org/drawingml/2006/main" xmlns:r="http://schemas.openxmlformats.org/officeDocument/2006/relationships" xmlns:p1510="http://schemas.microsoft.com/office/powerpoint/2015/10/main">
   <p1510:revLst>
-    <p1510:client id="{EB397726-E38C-4C81-986B-36C5789CB655}" v="7" dt="2019-08-11T22:47:15.339"/>
+    <p1510:client id="{D0E10B96-8355-4FCF-B1C9-DD52BCA356E1}" v="52" dt="2021-11-10T23:31:05.167"/>
   </p1510:revLst>
 </p1510:revInfo>
 </file>
 
 <file path=ppt/changesInfos/changesInfo1.xml><?xml version="1.0" encoding="utf-8"?>
 <pc:chgInfo xmlns:a="http://schemas.openxmlformats.org/drawingml/2006/main" xmlns:r="http://schemas.openxmlformats.org/officeDocument/2006/relationships" xmlns:ac="http://schemas.microsoft.com/office/drawing/2013/main/command" xmlns:pc="http://schemas.microsoft.com/office/powerpoint/2013/main/command">
+  <pc:docChgLst>
+    <pc:chgData name="Judson Santiago" userId="ebb108da2f256286" providerId="LiveId" clId="{D0E10B96-8355-4FCF-B1C9-DD52BCA356E1}"/>
+    <pc:docChg chg="undo custSel modSld modMainMaster">
+      <pc:chgData name="Judson Santiago" userId="ebb108da2f256286" providerId="LiveId" clId="{D0E10B96-8355-4FCF-B1C9-DD52BCA356E1}" dt="2021-11-10T23:31:17.528" v="861" actId="21"/>
+      <pc:docMkLst>
+        <pc:docMk/>
+      </pc:docMkLst>
+      <pc:sldChg chg="modSp mod modTransition">
+        <pc:chgData name="Judson Santiago" userId="ebb108da2f256286" providerId="LiveId" clId="{D0E10B96-8355-4FCF-B1C9-DD52BCA356E1}" dt="2021-11-10T23:31:05.167" v="860"/>
+        <pc:sldMkLst>
+          <pc:docMk/>
+          <pc:sldMk cId="3176707631" sldId="257"/>
+        </pc:sldMkLst>
+        <pc:spChg chg="mod">
+          <ac:chgData name="Judson Santiago" userId="ebb108da2f256286" providerId="LiveId" clId="{D0E10B96-8355-4FCF-B1C9-DD52BCA356E1}" dt="2021-11-10T22:28:34.247" v="70" actId="368"/>
+          <ac:spMkLst>
+            <pc:docMk/>
+            <pc:sldMk cId="3176707631" sldId="257"/>
+            <ac:spMk id="2" creationId="{00000000-0000-0000-0000-000000000000}"/>
+          </ac:spMkLst>
+        </pc:spChg>
+        <pc:grpChg chg="mod">
+          <ac:chgData name="Judson Santiago" userId="ebb108da2f256286" providerId="LiveId" clId="{D0E10B96-8355-4FCF-B1C9-DD52BCA356E1}" dt="2021-11-10T22:31:45.127" v="71" actId="1076"/>
+          <ac:grpSpMkLst>
+            <pc:docMk/>
+            <pc:sldMk cId="3176707631" sldId="257"/>
+            <ac:grpSpMk id="4" creationId="{F3C32EF1-652E-483C-BD7F-100591B9ABEA}"/>
+          </ac:grpSpMkLst>
+        </pc:grpChg>
+      </pc:sldChg>
+      <pc:sldChg chg="addSp modSp mod modTransition modAnim">
+        <pc:chgData name="Judson Santiago" userId="ebb108da2f256286" providerId="LiveId" clId="{D0E10B96-8355-4FCF-B1C9-DD52BCA356E1}" dt="2021-11-10T23:31:05.167" v="860"/>
+        <pc:sldMkLst>
+          <pc:docMk/>
+          <pc:sldMk cId="3098440254" sldId="258"/>
+        </pc:sldMkLst>
+        <pc:spChg chg="mod ord">
+          <ac:chgData name="Judson Santiago" userId="ebb108da2f256286" providerId="LiveId" clId="{D0E10B96-8355-4FCF-B1C9-DD52BCA356E1}" dt="2021-11-10T22:48:00.440" v="166" actId="167"/>
+          <ac:spMkLst>
+            <pc:docMk/>
+            <pc:sldMk cId="3098440254" sldId="258"/>
+            <ac:spMk id="2" creationId="{00000000-0000-0000-0000-000000000000}"/>
+          </ac:spMkLst>
+        </pc:spChg>
+        <pc:spChg chg="add mod">
+          <ac:chgData name="Judson Santiago" userId="ebb108da2f256286" providerId="LiveId" clId="{D0E10B96-8355-4FCF-B1C9-DD52BCA356E1}" dt="2021-11-10T22:45:32.752" v="160" actId="207"/>
+          <ac:spMkLst>
+            <pc:docMk/>
+            <pc:sldMk cId="3098440254" sldId="258"/>
+            <ac:spMk id="6" creationId="{18DD7416-0992-458A-8825-B146AEF2B80F}"/>
+          </ac:spMkLst>
+        </pc:spChg>
+        <pc:picChg chg="mod ord">
+          <ac:chgData name="Judson Santiago" userId="ebb108da2f256286" providerId="LiveId" clId="{D0E10B96-8355-4FCF-B1C9-DD52BCA356E1}" dt="2021-11-10T22:48:25.618" v="170" actId="12789"/>
+          <ac:picMkLst>
+            <pc:docMk/>
+            <pc:sldMk cId="3098440254" sldId="258"/>
+            <ac:picMk id="4" creationId="{00000000-0000-0000-0000-000000000000}"/>
+          </ac:picMkLst>
+        </pc:picChg>
+        <pc:picChg chg="add mod">
+          <ac:chgData name="Judson Santiago" userId="ebb108da2f256286" providerId="LiveId" clId="{D0E10B96-8355-4FCF-B1C9-DD52BCA356E1}" dt="2021-11-10T22:48:25.618" v="170" actId="12789"/>
+          <ac:picMkLst>
+            <pc:docMk/>
+            <pc:sldMk cId="3098440254" sldId="258"/>
+            <ac:picMk id="1026" creationId="{D7DBE9F9-A3A7-48E2-B658-873F46C8036F}"/>
+          </ac:picMkLst>
+        </pc:picChg>
+      </pc:sldChg>
+      <pc:sldChg chg="addSp delSp modSp mod modTransition">
+        <pc:chgData name="Judson Santiago" userId="ebb108da2f256286" providerId="LiveId" clId="{D0E10B96-8355-4FCF-B1C9-DD52BCA356E1}" dt="2021-11-10T23:31:05.167" v="860"/>
+        <pc:sldMkLst>
+          <pc:docMk/>
+          <pc:sldMk cId="3759389972" sldId="259"/>
+        </pc:sldMkLst>
+        <pc:spChg chg="mod">
+          <ac:chgData name="Judson Santiago" userId="ebb108da2f256286" providerId="LiveId" clId="{D0E10B96-8355-4FCF-B1C9-DD52BCA356E1}" dt="2021-11-10T22:50:25.426" v="172" actId="207"/>
+          <ac:spMkLst>
+            <pc:docMk/>
+            <pc:sldMk cId="3759389972" sldId="259"/>
+            <ac:spMk id="2" creationId="{00000000-0000-0000-0000-000000000000}"/>
+          </ac:spMkLst>
+        </pc:spChg>
+        <pc:spChg chg="mod">
+          <ac:chgData name="Judson Santiago" userId="ebb108da2f256286" providerId="LiveId" clId="{D0E10B96-8355-4FCF-B1C9-DD52BCA356E1}" dt="2021-11-10T22:59:43.389" v="269" actId="20577"/>
+          <ac:spMkLst>
+            <pc:docMk/>
+            <pc:sldMk cId="3759389972" sldId="259"/>
+            <ac:spMk id="5" creationId="{00000000-0000-0000-0000-000000000000}"/>
+          </ac:spMkLst>
+        </pc:spChg>
+        <pc:spChg chg="mod">
+          <ac:chgData name="Judson Santiago" userId="ebb108da2f256286" providerId="LiveId" clId="{D0E10B96-8355-4FCF-B1C9-DD52BCA356E1}" dt="2021-11-10T22:55:02.643" v="200" actId="14100"/>
+          <ac:spMkLst>
+            <pc:docMk/>
+            <pc:sldMk cId="3759389972" sldId="259"/>
+            <ac:spMk id="6" creationId="{00000000-0000-0000-0000-000000000000}"/>
+          </ac:spMkLst>
+        </pc:spChg>
+        <pc:spChg chg="mod">
+          <ac:chgData name="Judson Santiago" userId="ebb108da2f256286" providerId="LiveId" clId="{D0E10B96-8355-4FCF-B1C9-DD52BCA356E1}" dt="2021-11-10T22:55:12.221" v="202" actId="1076"/>
+          <ac:spMkLst>
+            <pc:docMk/>
+            <pc:sldMk cId="3759389972" sldId="259"/>
+            <ac:spMk id="7" creationId="{00000000-0000-0000-0000-000000000000}"/>
+          </ac:spMkLst>
+        </pc:spChg>
+        <pc:spChg chg="del">
+          <ac:chgData name="Judson Santiago" userId="ebb108da2f256286" providerId="LiveId" clId="{D0E10B96-8355-4FCF-B1C9-DD52BCA356E1}" dt="2021-11-10T22:55:14.918" v="203" actId="478"/>
+          <ac:spMkLst>
+            <pc:docMk/>
+            <pc:sldMk cId="3759389972" sldId="259"/>
+            <ac:spMk id="8" creationId="{00000000-0000-0000-0000-000000000000}"/>
+          </ac:spMkLst>
+        </pc:spChg>
+        <pc:spChg chg="mod">
+          <ac:chgData name="Judson Santiago" userId="ebb108da2f256286" providerId="LiveId" clId="{D0E10B96-8355-4FCF-B1C9-DD52BCA356E1}" dt="2021-11-10T22:57:09.805" v="263" actId="1076"/>
+          <ac:spMkLst>
+            <pc:docMk/>
+            <pc:sldMk cId="3759389972" sldId="259"/>
+            <ac:spMk id="9" creationId="{00000000-0000-0000-0000-000000000000}"/>
+          </ac:spMkLst>
+        </pc:spChg>
+        <pc:spChg chg="add mod ord">
+          <ac:chgData name="Judson Santiago" userId="ebb108da2f256286" providerId="LiveId" clId="{D0E10B96-8355-4FCF-B1C9-DD52BCA356E1}" dt="2021-11-10T22:53:55.179" v="188" actId="167"/>
+          <ac:spMkLst>
+            <pc:docMk/>
+            <pc:sldMk cId="3759389972" sldId="259"/>
+            <ac:spMk id="12" creationId="{F3F0EE3A-2930-4BB2-9928-4A66B71B5837}"/>
+          </ac:spMkLst>
+        </pc:spChg>
+        <pc:spChg chg="add mod">
+          <ac:chgData name="Judson Santiago" userId="ebb108da2f256286" providerId="LiveId" clId="{D0E10B96-8355-4FCF-B1C9-DD52BCA356E1}" dt="2021-11-10T22:55:21.237" v="205" actId="1076"/>
+          <ac:spMkLst>
+            <pc:docMk/>
+            <pc:sldMk cId="3759389972" sldId="259"/>
+            <ac:spMk id="19" creationId="{99AC7133-F1F8-4DC7-8D39-814B9103B914}"/>
+          </ac:spMkLst>
+        </pc:spChg>
+        <pc:graphicFrameChg chg="mod modGraphic">
+          <ac:chgData name="Judson Santiago" userId="ebb108da2f256286" providerId="LiveId" clId="{D0E10B96-8355-4FCF-B1C9-DD52BCA356E1}" dt="2021-11-10T22:56:06.177" v="228" actId="2711"/>
+          <ac:graphicFrameMkLst>
+            <pc:docMk/>
+            <pc:sldMk cId="3759389972" sldId="259"/>
+            <ac:graphicFrameMk id="4" creationId="{00000000-0000-0000-0000-000000000000}"/>
+          </ac:graphicFrameMkLst>
+        </pc:graphicFrameChg>
+        <pc:cxnChg chg="add mod">
+          <ac:chgData name="Judson Santiago" userId="ebb108da2f256286" providerId="LiveId" clId="{D0E10B96-8355-4FCF-B1C9-DD52BCA356E1}" dt="2021-11-10T22:54:45.897" v="197" actId="692"/>
+          <ac:cxnSpMkLst>
+            <pc:docMk/>
+            <pc:sldMk cId="3759389972" sldId="259"/>
+            <ac:cxnSpMk id="14" creationId="{0C602E91-C9F9-4F3C-8E1B-8236CA89DC45}"/>
+          </ac:cxnSpMkLst>
+        </pc:cxnChg>
+      </pc:sldChg>
+      <pc:sldChg chg="modSp mod modTransition">
+        <pc:chgData name="Judson Santiago" userId="ebb108da2f256286" providerId="LiveId" clId="{D0E10B96-8355-4FCF-B1C9-DD52BCA356E1}" dt="2021-11-10T23:31:05.167" v="860"/>
+        <pc:sldMkLst>
+          <pc:docMk/>
+          <pc:sldMk cId="3426065368" sldId="260"/>
+        </pc:sldMkLst>
+        <pc:spChg chg="mod">
+          <ac:chgData name="Judson Santiago" userId="ebb108da2f256286" providerId="LiveId" clId="{D0E10B96-8355-4FCF-B1C9-DD52BCA356E1}" dt="2021-11-10T23:04:53.749" v="347" actId="20577"/>
+          <ac:spMkLst>
+            <pc:docMk/>
+            <pc:sldMk cId="3426065368" sldId="260"/>
+            <ac:spMk id="2" creationId="{00000000-0000-0000-0000-000000000000}"/>
+          </ac:spMkLst>
+        </pc:spChg>
+        <pc:spChg chg="mod">
+          <ac:chgData name="Judson Santiago" userId="ebb108da2f256286" providerId="LiveId" clId="{D0E10B96-8355-4FCF-B1C9-DD52BCA356E1}" dt="2021-11-10T23:03:44.838" v="340" actId="1037"/>
+          <ac:spMkLst>
+            <pc:docMk/>
+            <pc:sldMk cId="3426065368" sldId="260"/>
+            <ac:spMk id="4" creationId="{00000000-0000-0000-0000-000000000000}"/>
+          </ac:spMkLst>
+        </pc:spChg>
+      </pc:sldChg>
+      <pc:sldChg chg="modSp mod modTransition">
+        <pc:chgData name="Judson Santiago" userId="ebb108da2f256286" providerId="LiveId" clId="{D0E10B96-8355-4FCF-B1C9-DD52BCA356E1}" dt="2021-11-10T23:31:05.167" v="860"/>
+        <pc:sldMkLst>
+          <pc:docMk/>
+          <pc:sldMk cId="2278654108" sldId="261"/>
+        </pc:sldMkLst>
+        <pc:spChg chg="mod">
+          <ac:chgData name="Judson Santiago" userId="ebb108da2f256286" providerId="LiveId" clId="{D0E10B96-8355-4FCF-B1C9-DD52BCA356E1}" dt="2021-11-10T23:15:35.967" v="563" actId="207"/>
+          <ac:spMkLst>
+            <pc:docMk/>
+            <pc:sldMk cId="2278654108" sldId="261"/>
+            <ac:spMk id="2" creationId="{00000000-0000-0000-0000-000000000000}"/>
+          </ac:spMkLst>
+        </pc:spChg>
+      </pc:sldChg>
+      <pc:sldChg chg="modSp mod modTransition">
+        <pc:chgData name="Judson Santiago" userId="ebb108da2f256286" providerId="LiveId" clId="{D0E10B96-8355-4FCF-B1C9-DD52BCA356E1}" dt="2021-11-10T23:31:05.167" v="860"/>
+        <pc:sldMkLst>
+          <pc:docMk/>
+          <pc:sldMk cId="2247089913" sldId="262"/>
+        </pc:sldMkLst>
+        <pc:spChg chg="mod">
+          <ac:chgData name="Judson Santiago" userId="ebb108da2f256286" providerId="LiveId" clId="{D0E10B96-8355-4FCF-B1C9-DD52BCA356E1}" dt="2021-11-10T23:20:30.715" v="761" actId="20577"/>
+          <ac:spMkLst>
+            <pc:docMk/>
+            <pc:sldMk cId="2247089913" sldId="262"/>
+            <ac:spMk id="2" creationId="{00000000-0000-0000-0000-000000000000}"/>
+          </ac:spMkLst>
+        </pc:spChg>
+        <pc:spChg chg="mod">
+          <ac:chgData name="Judson Santiago" userId="ebb108da2f256286" providerId="LiveId" clId="{D0E10B96-8355-4FCF-B1C9-DD52BCA356E1}" dt="2021-11-10T23:27:28.811" v="830" actId="20577"/>
+          <ac:spMkLst>
+            <pc:docMk/>
+            <pc:sldMk cId="2247089913" sldId="262"/>
+            <ac:spMk id="4" creationId="{00000000-0000-0000-0000-000000000000}"/>
+          </ac:spMkLst>
+        </pc:spChg>
+      </pc:sldChg>
+      <pc:sldChg chg="modSp mod modTransition">
+        <pc:chgData name="Judson Santiago" userId="ebb108da2f256286" providerId="LiveId" clId="{D0E10B96-8355-4FCF-B1C9-DD52BCA356E1}" dt="2021-11-10T23:31:05.167" v="860"/>
+        <pc:sldMkLst>
+          <pc:docMk/>
+          <pc:sldMk cId="1884501612" sldId="263"/>
+        </pc:sldMkLst>
+        <pc:spChg chg="mod">
+          <ac:chgData name="Judson Santiago" userId="ebb108da2f256286" providerId="LiveId" clId="{D0E10B96-8355-4FCF-B1C9-DD52BCA356E1}" dt="2021-11-10T23:30:39.341" v="859" actId="207"/>
+          <ac:spMkLst>
+            <pc:docMk/>
+            <pc:sldMk cId="1884501612" sldId="263"/>
+            <ac:spMk id="2" creationId="{00000000-0000-0000-0000-000000000000}"/>
+          </ac:spMkLst>
+        </pc:spChg>
+      </pc:sldChg>
+      <pc:sldChg chg="modSp mod">
+        <pc:chgData name="Judson Santiago" userId="ebb108da2f256286" providerId="LiveId" clId="{D0E10B96-8355-4FCF-B1C9-DD52BCA356E1}" dt="2021-11-10T22:24:55.956" v="33" actId="403"/>
+        <pc:sldMkLst>
+          <pc:docMk/>
+          <pc:sldMk cId="4034095602" sldId="264"/>
+        </pc:sldMkLst>
+        <pc:spChg chg="mod">
+          <ac:chgData name="Judson Santiago" userId="ebb108da2f256286" providerId="LiveId" clId="{D0E10B96-8355-4FCF-B1C9-DD52BCA356E1}" dt="2021-11-10T22:24:43.276" v="13" actId="403"/>
+          <ac:spMkLst>
+            <pc:docMk/>
+            <pc:sldMk cId="4034095602" sldId="264"/>
+            <ac:spMk id="2" creationId="{6021CE69-49A2-419F-8A63-97C1045FF10F}"/>
+          </ac:spMkLst>
+        </pc:spChg>
+        <pc:spChg chg="mod">
+          <ac:chgData name="Judson Santiago" userId="ebb108da2f256286" providerId="LiveId" clId="{D0E10B96-8355-4FCF-B1C9-DD52BCA356E1}" dt="2021-11-10T22:24:55.956" v="33" actId="403"/>
+          <ac:spMkLst>
+            <pc:docMk/>
+            <pc:sldMk cId="4034095602" sldId="264"/>
+            <ac:spMk id="3" creationId="{61599915-70AE-4C90-BB64-8F5C908E73A9}"/>
+          </ac:spMkLst>
+        </pc:spChg>
+      </pc:sldChg>
+      <pc:sldMasterChg chg="addSp delSp modSp mod modSldLayout">
+        <pc:chgData name="Judson Santiago" userId="ebb108da2f256286" providerId="LiveId" clId="{D0E10B96-8355-4FCF-B1C9-DD52BCA356E1}" dt="2021-11-10T23:31:17.528" v="861" actId="21"/>
+        <pc:sldMasterMkLst>
+          <pc:docMk/>
+          <pc:sldMasterMk cId="0" sldId="2147483780"/>
+        </pc:sldMasterMkLst>
+        <pc:spChg chg="del">
+          <ac:chgData name="Judson Santiago" userId="ebb108da2f256286" providerId="LiveId" clId="{D0E10B96-8355-4FCF-B1C9-DD52BCA356E1}" dt="2021-11-10T22:23:16.122" v="1" actId="478"/>
+          <ac:spMkLst>
+            <pc:docMk/>
+            <pc:sldMasterMk cId="0" sldId="2147483780"/>
+            <ac:spMk id="12" creationId="{00000000-0000-0000-0000-000000000000}"/>
+          </ac:spMkLst>
+        </pc:spChg>
+        <pc:spChg chg="del">
+          <ac:chgData name="Judson Santiago" userId="ebb108da2f256286" providerId="LiveId" clId="{D0E10B96-8355-4FCF-B1C9-DD52BCA356E1}" dt="2021-11-10T22:23:16.982" v="2" actId="478"/>
+          <ac:spMkLst>
+            <pc:docMk/>
+            <pc:sldMasterMk cId="0" sldId="2147483780"/>
+            <ac:spMk id="13" creationId="{00000000-0000-0000-0000-000000000000}"/>
+          </ac:spMkLst>
+        </pc:spChg>
+        <pc:spChg chg="del">
+          <ac:chgData name="Judson Santiago" userId="ebb108da2f256286" providerId="LiveId" clId="{D0E10B96-8355-4FCF-B1C9-DD52BCA356E1}" dt="2021-11-10T22:23:17.936" v="3" actId="478"/>
+          <ac:spMkLst>
+            <pc:docMk/>
+            <pc:sldMasterMk cId="0" sldId="2147483780"/>
+            <ac:spMk id="14" creationId="{00000000-0000-0000-0000-000000000000}"/>
+          </ac:spMkLst>
+        </pc:spChg>
+        <pc:spChg chg="mod">
+          <ac:chgData name="Judson Santiago" userId="ebb108da2f256286" providerId="LiveId" clId="{D0E10B96-8355-4FCF-B1C9-DD52BCA356E1}" dt="2021-11-06T03:49:44.067" v="0"/>
+          <ac:spMkLst>
+            <pc:docMk/>
+            <pc:sldMasterMk cId="0" sldId="2147483780"/>
+            <ac:spMk id="16" creationId="{4663A142-295E-4654-AB86-AA9BA7F0FA51}"/>
+          </ac:spMkLst>
+        </pc:spChg>
+        <pc:spChg chg="add mod ord">
+          <ac:chgData name="Judson Santiago" userId="ebb108da2f256286" providerId="LiveId" clId="{D0E10B96-8355-4FCF-B1C9-DD52BCA356E1}" dt="2021-11-10T22:23:24.984" v="5" actId="167"/>
+          <ac:spMkLst>
+            <pc:docMk/>
+            <pc:sldMasterMk cId="0" sldId="2147483780"/>
+            <ac:spMk id="17" creationId="{CAF47DFF-D9ED-42DB-9AD1-957D53904F79}"/>
+          </ac:spMkLst>
+        </pc:spChg>
+        <pc:spChg chg="mod">
+          <ac:chgData name="Judson Santiago" userId="ebb108da2f256286" providerId="LiveId" clId="{D0E10B96-8355-4FCF-B1C9-DD52BCA356E1}" dt="2021-11-10T22:23:21.452" v="4"/>
+          <ac:spMkLst>
+            <pc:docMk/>
+            <pc:sldMasterMk cId="0" sldId="2147483780"/>
+            <ac:spMk id="20" creationId="{17203345-A242-41FB-9597-82A607463BA1}"/>
+          </ac:spMkLst>
+        </pc:spChg>
+        <pc:spChg chg="mod">
+          <ac:chgData name="Judson Santiago" userId="ebb108da2f256286" providerId="LiveId" clId="{D0E10B96-8355-4FCF-B1C9-DD52BCA356E1}" dt="2021-11-10T22:23:21.452" v="4"/>
+          <ac:spMkLst>
+            <pc:docMk/>
+            <pc:sldMasterMk cId="0" sldId="2147483780"/>
+            <ac:spMk id="21" creationId="{6FAA5DA8-14D0-447C-B438-F407C7F7F15E}"/>
+          </ac:spMkLst>
+        </pc:spChg>
+        <pc:spChg chg="mod">
+          <ac:chgData name="Judson Santiago" userId="ebb108da2f256286" providerId="LiveId" clId="{D0E10B96-8355-4FCF-B1C9-DD52BCA356E1}" dt="2021-11-10T22:23:21.452" v="4"/>
+          <ac:spMkLst>
+            <pc:docMk/>
+            <pc:sldMasterMk cId="0" sldId="2147483780"/>
+            <ac:spMk id="23" creationId="{DA392B70-7073-47E6-BCDC-3D1C15189562}"/>
+          </ac:spMkLst>
+        </pc:spChg>
+        <pc:grpChg chg="add del mod">
+          <ac:chgData name="Judson Santiago" userId="ebb108da2f256286" providerId="LiveId" clId="{D0E10B96-8355-4FCF-B1C9-DD52BCA356E1}" dt="2021-11-10T23:31:17.528" v="861" actId="21"/>
+          <ac:grpSpMkLst>
+            <pc:docMk/>
+            <pc:sldMasterMk cId="0" sldId="2147483780"/>
+            <ac:grpSpMk id="11" creationId="{4344A75C-F593-4D80-9E8D-3972B1299664}"/>
+          </ac:grpSpMkLst>
+        </pc:grpChg>
+        <pc:grpChg chg="add mod ord">
+          <ac:chgData name="Judson Santiago" userId="ebb108da2f256286" providerId="LiveId" clId="{D0E10B96-8355-4FCF-B1C9-DD52BCA356E1}" dt="2021-11-10T22:23:24.984" v="5" actId="167"/>
+          <ac:grpSpMkLst>
+            <pc:docMk/>
+            <pc:sldMasterMk cId="0" sldId="2147483780"/>
+            <ac:grpSpMk id="19" creationId="{B58ED8F1-402E-4E66-BE62-D28189586D48}"/>
+          </ac:grpSpMkLst>
+        </pc:grpChg>
+        <pc:picChg chg="mod">
+          <ac:chgData name="Judson Santiago" userId="ebb108da2f256286" providerId="LiveId" clId="{D0E10B96-8355-4FCF-B1C9-DD52BCA356E1}" dt="2021-11-06T03:49:44.067" v="0"/>
+          <ac:picMkLst>
+            <pc:docMk/>
+            <pc:sldMasterMk cId="0" sldId="2147483780"/>
+            <ac:picMk id="15" creationId="{80B3A171-C964-4BD9-8124-2D7AF980C656}"/>
+          </ac:picMkLst>
+        </pc:picChg>
+        <pc:sldLayoutChg chg="addSp delSp modSp mod">
+          <pc:chgData name="Judson Santiago" userId="ebb108da2f256286" providerId="LiveId" clId="{D0E10B96-8355-4FCF-B1C9-DD52BCA356E1}" dt="2021-11-10T22:24:27.606" v="10" actId="167"/>
+          <pc:sldLayoutMkLst>
+            <pc:docMk/>
+            <pc:sldMasterMk cId="0" sldId="2147483780"/>
+            <pc:sldLayoutMk cId="0" sldId="2147483781"/>
+          </pc:sldLayoutMkLst>
+          <pc:spChg chg="mod">
+            <ac:chgData name="Judson Santiago" userId="ebb108da2f256286" providerId="LiveId" clId="{D0E10B96-8355-4FCF-B1C9-DD52BCA356E1}" dt="2021-11-10T22:24:24.519" v="9"/>
+            <ac:spMkLst>
+              <pc:docMk/>
+              <pc:sldMasterMk cId="0" sldId="2147483780"/>
+              <pc:sldLayoutMk cId="0" sldId="2147483781"/>
+              <ac:spMk id="10" creationId="{61D9F2D0-7A04-4159-B923-8180154EAE3C}"/>
+            </ac:spMkLst>
+          </pc:spChg>
+          <pc:spChg chg="mod">
+            <ac:chgData name="Judson Santiago" userId="ebb108da2f256286" providerId="LiveId" clId="{D0E10B96-8355-4FCF-B1C9-DD52BCA356E1}" dt="2021-11-10T22:24:24.519" v="9"/>
+            <ac:spMkLst>
+              <pc:docMk/>
+              <pc:sldMasterMk cId="0" sldId="2147483780"/>
+              <pc:sldLayoutMk cId="0" sldId="2147483781"/>
+              <ac:spMk id="11" creationId="{50F84D38-0477-4C33-957A-4A9D9A63AB4B}"/>
+            </ac:spMkLst>
+          </pc:spChg>
+          <pc:spChg chg="del">
+            <ac:chgData name="Judson Santiago" userId="ebb108da2f256286" providerId="LiveId" clId="{D0E10B96-8355-4FCF-B1C9-DD52BCA356E1}" dt="2021-11-10T22:24:23.425" v="8" actId="478"/>
+            <ac:spMkLst>
+              <pc:docMk/>
+              <pc:sldMasterMk cId="0" sldId="2147483780"/>
+              <pc:sldLayoutMk cId="0" sldId="2147483781"/>
+              <ac:spMk id="13" creationId="{6608F1C5-0B0B-408F-8D9F-E7ABB9F68A86}"/>
+            </ac:spMkLst>
+          </pc:spChg>
+          <pc:spChg chg="mod">
+            <ac:chgData name="Judson Santiago" userId="ebb108da2f256286" providerId="LiveId" clId="{D0E10B96-8355-4FCF-B1C9-DD52BCA356E1}" dt="2021-11-10T22:24:24.519" v="9"/>
+            <ac:spMkLst>
+              <pc:docMk/>
+              <pc:sldMasterMk cId="0" sldId="2147483780"/>
+              <pc:sldLayoutMk cId="0" sldId="2147483781"/>
+              <ac:spMk id="14" creationId="{9404BF46-D7F8-4ABA-8CE2-1EDD08512E77}"/>
+            </ac:spMkLst>
+          </pc:spChg>
+          <pc:spChg chg="mod">
+            <ac:chgData name="Judson Santiago" userId="ebb108da2f256286" providerId="LiveId" clId="{D0E10B96-8355-4FCF-B1C9-DD52BCA356E1}" dt="2021-11-10T22:24:24.519" v="9"/>
+            <ac:spMkLst>
+              <pc:docMk/>
+              <pc:sldMasterMk cId="0" sldId="2147483780"/>
+              <pc:sldLayoutMk cId="0" sldId="2147483781"/>
+              <ac:spMk id="15" creationId="{67290A2B-4EF4-47CC-A5E4-53BE7087CAA3}"/>
+            </ac:spMkLst>
+          </pc:spChg>
+          <pc:spChg chg="mod">
+            <ac:chgData name="Judson Santiago" userId="ebb108da2f256286" providerId="LiveId" clId="{D0E10B96-8355-4FCF-B1C9-DD52BCA356E1}" dt="2021-11-10T22:24:24.519" v="9"/>
+            <ac:spMkLst>
+              <pc:docMk/>
+              <pc:sldMasterMk cId="0" sldId="2147483780"/>
+              <pc:sldLayoutMk cId="0" sldId="2147483781"/>
+              <ac:spMk id="17" creationId="{05B510AB-AF69-438C-BE0A-CFDA2E35FAEC}"/>
+            </ac:spMkLst>
+          </pc:spChg>
+          <pc:spChg chg="del">
+            <ac:chgData name="Judson Santiago" userId="ebb108da2f256286" providerId="LiveId" clId="{D0E10B96-8355-4FCF-B1C9-DD52BCA356E1}" dt="2021-11-10T22:24:20.972" v="6" actId="478"/>
+            <ac:spMkLst>
+              <pc:docMk/>
+              <pc:sldMasterMk cId="0" sldId="2147483780"/>
+              <pc:sldLayoutMk cId="0" sldId="2147483781"/>
+              <ac:spMk id="18" creationId="{159C197B-1DC7-4FE8-9E19-5984F404644B}"/>
+            </ac:spMkLst>
+          </pc:spChg>
+          <pc:spChg chg="mod">
+            <ac:chgData name="Judson Santiago" userId="ebb108da2f256286" providerId="LiveId" clId="{D0E10B96-8355-4FCF-B1C9-DD52BCA356E1}" dt="2021-11-10T22:24:24.519" v="9"/>
+            <ac:spMkLst>
+              <pc:docMk/>
+              <pc:sldMasterMk cId="0" sldId="2147483780"/>
+              <pc:sldLayoutMk cId="0" sldId="2147483781"/>
+              <ac:spMk id="20" creationId="{B506B50B-5928-4DBA-8202-0350D476EC1E}"/>
+            </ac:spMkLst>
+          </pc:spChg>
+          <pc:spChg chg="del">
+            <ac:chgData name="Judson Santiago" userId="ebb108da2f256286" providerId="LiveId" clId="{D0E10B96-8355-4FCF-B1C9-DD52BCA356E1}" dt="2021-11-10T22:24:22.628" v="7" actId="478"/>
+            <ac:spMkLst>
+              <pc:docMk/>
+              <pc:sldMasterMk cId="0" sldId="2147483780"/>
+              <pc:sldLayoutMk cId="0" sldId="2147483781"/>
+              <ac:spMk id="23" creationId="{59D8FAB9-67AD-4ECA-BBFB-157D3659E9BD}"/>
+            </ac:spMkLst>
+          </pc:spChg>
+          <pc:grpChg chg="add mod ord">
+            <ac:chgData name="Judson Santiago" userId="ebb108da2f256286" providerId="LiveId" clId="{D0E10B96-8355-4FCF-B1C9-DD52BCA356E1}" dt="2021-11-10T22:24:27.606" v="10" actId="167"/>
+            <ac:grpSpMkLst>
+              <pc:docMk/>
+              <pc:sldMasterMk cId="0" sldId="2147483780"/>
+              <pc:sldLayoutMk cId="0" sldId="2147483781"/>
+              <ac:grpSpMk id="9" creationId="{26D48EDC-185C-4252-B68C-099CF8D9F69C}"/>
+            </ac:grpSpMkLst>
+          </pc:grpChg>
+          <pc:grpChg chg="add mod ord">
+            <ac:chgData name="Judson Santiago" userId="ebb108da2f256286" providerId="LiveId" clId="{D0E10B96-8355-4FCF-B1C9-DD52BCA356E1}" dt="2021-11-10T22:24:27.606" v="10" actId="167"/>
+            <ac:grpSpMkLst>
+              <pc:docMk/>
+              <pc:sldMasterMk cId="0" sldId="2147483780"/>
+              <pc:sldLayoutMk cId="0" sldId="2147483781"/>
+              <ac:grpSpMk id="16" creationId="{D58C1A25-AC82-44B7-B600-869AF8F81A6E}"/>
+            </ac:grpSpMkLst>
+          </pc:grpChg>
+        </pc:sldLayoutChg>
+      </pc:sldMasterChg>
+    </pc:docChg>
+  </pc:docChgLst>
   <pc:docChgLst>
     <pc:chgData name="Judson Santiago" userId="ebb108da2f256286" providerId="LiveId" clId="{EB397726-E38C-4C81-986B-36C5789CB655}"/>
     <pc:docChg chg="custSel addSld delSld modSld sldOrd modMainMaster">
@@ -734,7 +1193,7 @@
             <a:fld id="{4C457FC9-8E1D-4A40-BFF1-0E630693B1AB}" type="datetimeFigureOut">
               <a:rPr lang="pt-BR" smtClean="0"/>
               <a:pPr/>
-              <a:t>11/08/2019</a:t>
+              <a:t>10/11/2021</a:t>
             </a:fld>
             <a:endParaRPr lang="pt-BR"/>
           </a:p>
@@ -1147,6 +1606,593 @@
           <a:chExt cx="0" cy="0"/>
         </a:xfrm>
       </p:grpSpPr>
+      <p:grpSp>
+        <p:nvGrpSpPr>
+          <p:cNvPr id="9" name="Agrupar 8">
+            <a:extLst>
+              <a:ext uri="{FF2B5EF4-FFF2-40B4-BE49-F238E27FC236}">
+                <a16:creationId xmlns:a16="http://schemas.microsoft.com/office/drawing/2014/main" id="{26D48EDC-185C-4252-B68C-099CF8D9F69C}"/>
+              </a:ext>
+            </a:extLst>
+          </p:cNvPr>
+          <p:cNvGrpSpPr/>
+          <p:nvPr userDrawn="1"/>
+        </p:nvGrpSpPr>
+        <p:grpSpPr>
+          <a:xfrm>
+            <a:off x="-2" y="5142592"/>
+            <a:ext cx="12192002" cy="1728726"/>
+            <a:chOff x="-2" y="5142592"/>
+            <a:chExt cx="12192002" cy="1728726"/>
+          </a:xfrm>
+        </p:grpSpPr>
+        <p:sp>
+          <p:nvSpPr>
+            <p:cNvPr id="10" name="Forma livre 12">
+              <a:extLst>
+                <a:ext uri="{FF2B5EF4-FFF2-40B4-BE49-F238E27FC236}">
+                  <a16:creationId xmlns:a16="http://schemas.microsoft.com/office/drawing/2014/main" id="{61D9F2D0-7A04-4159-B923-8180154EAE3C}"/>
+                </a:ext>
+              </a:extLst>
+            </p:cNvPr>
+            <p:cNvSpPr>
+              <a:spLocks/>
+            </p:cNvSpPr>
+            <p:nvPr userDrawn="1"/>
+          </p:nvSpPr>
+          <p:spPr bwMode="auto">
+            <a:xfrm>
+              <a:off x="-2" y="5186981"/>
+              <a:ext cx="12192002" cy="1671020"/>
+            </a:xfrm>
+            <a:custGeom>
+              <a:avLst>
+                <a:gd name="A1" fmla="val 0"/>
+                <a:gd name="A2" fmla="val 0"/>
+                <a:gd name="A3" fmla="val 0"/>
+                <a:gd name="A4" fmla="val 0"/>
+                <a:gd name="A5" fmla="val 0"/>
+                <a:gd name="A6" fmla="val 0"/>
+                <a:gd name="A7" fmla="val 0"/>
+                <a:gd name="A8" fmla="val 0"/>
+              </a:avLst>
+              <a:gdLst/>
+              <a:ahLst/>
+              <a:cxnLst>
+                <a:cxn ang="0">
+                  <a:pos x="0" y="0"/>
+                </a:cxn>
+                <a:cxn ang="0">
+                  <a:pos x="5760" y="0"/>
+                </a:cxn>
+                <a:cxn ang="0">
+                  <a:pos x="5760" y="528"/>
+                </a:cxn>
+                <a:cxn ang="0">
+                  <a:pos x="48" y="0"/>
+                </a:cxn>
+              </a:cxnLst>
+              <a:rect l="0" t="0" r="0" b="0"/>
+              <a:pathLst>
+                <a:path w="7485" h="337">
+                  <a:moveTo>
+                    <a:pt x="0" y="2"/>
+                  </a:moveTo>
+                  <a:lnTo>
+                    <a:pt x="7485" y="337"/>
+                  </a:lnTo>
+                  <a:lnTo>
+                    <a:pt x="5558" y="337"/>
+                  </a:lnTo>
+                  <a:lnTo>
+                    <a:pt x="1" y="0"/>
+                  </a:lnTo>
+                </a:path>
+              </a:pathLst>
+            </a:custGeom>
+            <a:solidFill>
+              <a:schemeClr val="accent1">
+                <a:tint val="65000"/>
+                <a:satMod val="115000"/>
+                <a:alpha val="40000"/>
+              </a:schemeClr>
+            </a:solidFill>
+            <a:ln w="9525" cap="flat" cmpd="sng" algn="ctr">
+              <a:noFill/>
+              <a:prstDash val="solid"/>
+              <a:round/>
+              <a:headEnd type="none" w="med" len="med"/>
+              <a:tailEnd type="none" w="med" len="med"/>
+            </a:ln>
+            <a:effectLst/>
+          </p:spPr>
+          <p:txBody>
+            <a:bodyPr vert="horz" wrap="square" lIns="91440" tIns="45720" rIns="91440" bIns="45720" anchor="t" compatLnSpc="1"/>
+            <a:lstStyle/>
+            <a:p>
+              <a:endParaRPr kumimoji="0" lang="en-US" sz="1800"/>
+            </a:p>
+          </p:txBody>
+        </p:sp>
+        <p:sp>
+          <p:nvSpPr>
+            <p:cNvPr id="11" name="Triângulo retângulo 13">
+              <a:extLst>
+                <a:ext uri="{FF2B5EF4-FFF2-40B4-BE49-F238E27FC236}">
+                  <a16:creationId xmlns:a16="http://schemas.microsoft.com/office/drawing/2014/main" id="{50F84D38-0477-4C33-957A-4A9D9A63AB4B}"/>
+                </a:ext>
+              </a:extLst>
+            </p:cNvPr>
+            <p:cNvSpPr>
+              <a:spLocks/>
+            </p:cNvSpPr>
+            <p:nvPr userDrawn="1"/>
+          </p:nvSpPr>
+          <p:spPr bwMode="auto">
+            <a:xfrm>
+              <a:off x="-2" y="5142592"/>
+              <a:ext cx="9192346" cy="1715408"/>
+            </a:xfrm>
+            <a:prstGeom prst="rtTriangle">
+              <a:avLst/>
+            </a:prstGeom>
+            <a:blipFill>
+              <a:blip r:embed="rId2">
+                <a:alphaModFix amt="50000"/>
+              </a:blip>
+              <a:tile tx="0" ty="0" sx="50000" sy="50000" flip="none" algn="t"/>
+            </a:blipFill>
+            <a:ln w="12700" cap="rnd" cmpd="thickThin" algn="ctr">
+              <a:noFill/>
+              <a:prstDash val="solid"/>
+            </a:ln>
+            <a:effectLst>
+              <a:fillOverlay blend="mult">
+                <a:gradFill flip="none" rotWithShape="1">
+                  <a:gsLst>
+                    <a:gs pos="0">
+                      <a:schemeClr val="accent1">
+                        <a:shade val="20000"/>
+                        <a:satMod val="176000"/>
+                        <a:alpha val="100000"/>
+                      </a:schemeClr>
+                    </a:gs>
+                    <a:gs pos="18000">
+                      <a:schemeClr val="accent1">
+                        <a:shade val="48000"/>
+                        <a:satMod val="153000"/>
+                        <a:alpha val="100000"/>
+                      </a:schemeClr>
+                    </a:gs>
+                    <a:gs pos="43000">
+                      <a:schemeClr val="accent1">
+                        <a:tint val="86000"/>
+                        <a:satMod val="149000"/>
+                        <a:alpha val="100000"/>
+                      </a:schemeClr>
+                    </a:gs>
+                    <a:gs pos="45000">
+                      <a:schemeClr val="accent1">
+                        <a:tint val="85000"/>
+                        <a:satMod val="150000"/>
+                        <a:alpha val="100000"/>
+                      </a:schemeClr>
+                    </a:gs>
+                    <a:gs pos="50000">
+                      <a:schemeClr val="accent1">
+                        <a:tint val="86000"/>
+                        <a:satMod val="149000"/>
+                        <a:alpha val="100000"/>
+                      </a:schemeClr>
+                    </a:gs>
+                    <a:gs pos="79000">
+                      <a:schemeClr val="accent1">
+                        <a:shade val="53000"/>
+                        <a:satMod val="150000"/>
+                        <a:alpha val="100000"/>
+                      </a:schemeClr>
+                    </a:gs>
+                    <a:gs pos="100000">
+                      <a:schemeClr val="accent1">
+                        <a:shade val="25000"/>
+                        <a:satMod val="170000"/>
+                        <a:alpha val="100000"/>
+                      </a:schemeClr>
+                    </a:gs>
+                  </a:gsLst>
+                  <a:lin ang="450000" scaled="1"/>
+                  <a:tileRect/>
+                </a:gradFill>
+              </a:fillOverlay>
+            </a:effectLst>
+          </p:spPr>
+          <p:style>
+            <a:lnRef idx="3">
+              <a:schemeClr val="lt1"/>
+            </a:lnRef>
+            <a:fillRef idx="1">
+              <a:schemeClr val="accent1"/>
+            </a:fillRef>
+            <a:effectRef idx="1">
+              <a:schemeClr val="accent1"/>
+            </a:effectRef>
+            <a:fontRef idx="minor">
+              <a:schemeClr val="lt1"/>
+            </a:fontRef>
+          </p:style>
+          <p:txBody>
+            <a:bodyPr vert="horz" wrap="square" lIns="91440" tIns="45720" rIns="91440" bIns="45720" anchor="ctr" compatLnSpc="1"/>
+            <a:lstStyle/>
+            <a:p>
+              <a:pPr algn="ctr" eaLnBrk="1" latinLnBrk="0" hangingPunct="1"/>
+              <a:endParaRPr kumimoji="0" lang="en-US" sz="1800" dirty="0"/>
+            </a:p>
+          </p:txBody>
+        </p:sp>
+        <p:sp>
+          <p:nvSpPr>
+            <p:cNvPr id="14" name="TextBox 20">
+              <a:extLst>
+                <a:ext uri="{FF2B5EF4-FFF2-40B4-BE49-F238E27FC236}">
+                  <a16:creationId xmlns:a16="http://schemas.microsoft.com/office/drawing/2014/main" id="{9404BF46-D7F8-4ABA-8CE2-1EDD08512E77}"/>
+                </a:ext>
+              </a:extLst>
+            </p:cNvPr>
+            <p:cNvSpPr txBox="1"/>
+            <p:nvPr userDrawn="1"/>
+          </p:nvSpPr>
+          <p:spPr>
+            <a:xfrm>
+              <a:off x="983432" y="6274667"/>
+              <a:ext cx="2877344" cy="369332"/>
+            </a:xfrm>
+            <a:prstGeom prst="rect">
+              <a:avLst/>
+            </a:prstGeom>
+            <a:noFill/>
+          </p:spPr>
+          <p:txBody>
+            <a:bodyPr wrap="square" rtlCol="0">
+              <a:spAutoFit/>
+            </a:bodyPr>
+            <a:lstStyle/>
+            <a:p>
+              <a:pPr algn="r"/>
+              <a:r>
+                <a:rPr lang="pt-BR" sz="1800" b="1" dirty="0">
+                  <a:solidFill>
+                    <a:schemeClr val="tx1"/>
+                  </a:solidFill>
+                </a:rPr>
+                <a:t>Judson</a:t>
+              </a:r>
+              <a:r>
+                <a:rPr lang="pt-BR" sz="1800" b="1" baseline="0" dirty="0">
+                  <a:solidFill>
+                    <a:schemeClr val="tx1"/>
+                  </a:solidFill>
+                </a:rPr>
+                <a:t> Santos Santiago</a:t>
+              </a:r>
+              <a:endParaRPr lang="pt-BR" sz="1800" b="1" dirty="0">
+                <a:solidFill>
+                  <a:schemeClr val="tx1"/>
+                </a:solidFill>
+              </a:endParaRPr>
+            </a:p>
+          </p:txBody>
+        </p:sp>
+        <p:sp>
+          <p:nvSpPr>
+            <p:cNvPr id="15" name="Forma livre 11">
+              <a:extLst>
+                <a:ext uri="{FF2B5EF4-FFF2-40B4-BE49-F238E27FC236}">
+                  <a16:creationId xmlns:a16="http://schemas.microsoft.com/office/drawing/2014/main" id="{67290A2B-4EF4-47CC-A5E4-53BE7087CAA3}"/>
+                </a:ext>
+              </a:extLst>
+            </p:cNvPr>
+            <p:cNvSpPr>
+              <a:spLocks/>
+            </p:cNvSpPr>
+            <p:nvPr userDrawn="1"/>
+          </p:nvSpPr>
+          <p:spPr bwMode="auto">
+            <a:xfrm>
+              <a:off x="-2" y="5142592"/>
+              <a:ext cx="9408370" cy="1728726"/>
+            </a:xfrm>
+            <a:custGeom>
+              <a:avLst>
+                <a:gd name="A1" fmla="val 0"/>
+                <a:gd name="A2" fmla="val 0"/>
+                <a:gd name="A3" fmla="val 0"/>
+                <a:gd name="A4" fmla="val 0"/>
+                <a:gd name="A5" fmla="val 0"/>
+                <a:gd name="A6" fmla="val 0"/>
+                <a:gd name="A7" fmla="val 0"/>
+                <a:gd name="A8" fmla="val 0"/>
+              </a:avLst>
+              <a:gdLst/>
+              <a:ahLst/>
+              <a:cxnLst>
+                <a:cxn ang="0">
+                  <a:pos x="0" y="0"/>
+                </a:cxn>
+                <a:cxn ang="0">
+                  <a:pos x="5760" y="0"/>
+                </a:cxn>
+                <a:cxn ang="0">
+                  <a:pos x="5760" y="528"/>
+                </a:cxn>
+                <a:cxn ang="0">
+                  <a:pos x="48" y="0"/>
+                </a:cxn>
+              </a:cxnLst>
+              <a:rect l="0" t="0" r="0" b="0"/>
+              <a:pathLst>
+                <a:path w="5591" h="588">
+                  <a:moveTo>
+                    <a:pt x="0" y="0"/>
+                  </a:moveTo>
+                  <a:lnTo>
+                    <a:pt x="5591" y="585"/>
+                  </a:lnTo>
+                  <a:lnTo>
+                    <a:pt x="4415" y="588"/>
+                  </a:lnTo>
+                  <a:lnTo>
+                    <a:pt x="12" y="4"/>
+                  </a:lnTo>
+                </a:path>
+              </a:pathLst>
+            </a:custGeom>
+            <a:solidFill>
+              <a:srgbClr val="000000">
+                <a:alpha val="100000"/>
+              </a:srgbClr>
+            </a:solidFill>
+            <a:ln w="9525" cap="flat" cmpd="sng" algn="ctr">
+              <a:noFill/>
+              <a:prstDash val="solid"/>
+              <a:round/>
+              <a:headEnd type="none" w="med" len="med"/>
+              <a:tailEnd type="none" w="med" len="med"/>
+            </a:ln>
+            <a:effectLst/>
+          </p:spPr>
+          <p:txBody>
+            <a:bodyPr vert="horz" wrap="square" lIns="91440" tIns="45720" rIns="91440" bIns="45720" anchor="t" compatLnSpc="1"/>
+            <a:lstStyle/>
+            <a:p>
+              <a:endParaRPr kumimoji="0" lang="en-US" sz="1800"/>
+            </a:p>
+          </p:txBody>
+        </p:sp>
+      </p:grpSp>
+      <p:grpSp>
+        <p:nvGrpSpPr>
+          <p:cNvPr id="16" name="Agrupar 15">
+            <a:extLst>
+              <a:ext uri="{FF2B5EF4-FFF2-40B4-BE49-F238E27FC236}">
+                <a16:creationId xmlns:a16="http://schemas.microsoft.com/office/drawing/2014/main" id="{D58C1A25-AC82-44B7-B600-869AF8F81A6E}"/>
+              </a:ext>
+            </a:extLst>
+          </p:cNvPr>
+          <p:cNvGrpSpPr/>
+          <p:nvPr userDrawn="1"/>
+        </p:nvGrpSpPr>
+        <p:grpSpPr>
+          <a:xfrm>
+            <a:off x="-2" y="-5"/>
+            <a:ext cx="12192002" cy="892457"/>
+            <a:chOff x="-2" y="-5"/>
+            <a:chExt cx="12192002" cy="892457"/>
+          </a:xfrm>
+        </p:grpSpPr>
+        <p:sp>
+          <p:nvSpPr>
+            <p:cNvPr id="17" name="Forma livre 12">
+              <a:extLst>
+                <a:ext uri="{FF2B5EF4-FFF2-40B4-BE49-F238E27FC236}">
+                  <a16:creationId xmlns:a16="http://schemas.microsoft.com/office/drawing/2014/main" id="{05B510AB-AF69-438C-BE0A-CFDA2E35FAEC}"/>
+                </a:ext>
+              </a:extLst>
+            </p:cNvPr>
+            <p:cNvSpPr>
+              <a:spLocks/>
+            </p:cNvSpPr>
+            <p:nvPr userDrawn="1"/>
+          </p:nvSpPr>
+          <p:spPr bwMode="auto">
+            <a:xfrm flipV="1">
+              <a:off x="-2" y="0"/>
+              <a:ext cx="12192002" cy="892452"/>
+            </a:xfrm>
+            <a:custGeom>
+              <a:avLst>
+                <a:gd name="A1" fmla="val 0"/>
+                <a:gd name="A2" fmla="val 0"/>
+                <a:gd name="A3" fmla="val 0"/>
+                <a:gd name="A4" fmla="val 0"/>
+                <a:gd name="A5" fmla="val 0"/>
+                <a:gd name="A6" fmla="val 0"/>
+                <a:gd name="A7" fmla="val 0"/>
+                <a:gd name="A8" fmla="val 0"/>
+              </a:avLst>
+              <a:gdLst/>
+              <a:ahLst/>
+              <a:cxnLst>
+                <a:cxn ang="0">
+                  <a:pos x="0" y="0"/>
+                </a:cxn>
+                <a:cxn ang="0">
+                  <a:pos x="5760" y="0"/>
+                </a:cxn>
+                <a:cxn ang="0">
+                  <a:pos x="5760" y="528"/>
+                </a:cxn>
+                <a:cxn ang="0">
+                  <a:pos x="48" y="0"/>
+                </a:cxn>
+              </a:cxnLst>
+              <a:rect l="0" t="0" r="0" b="0"/>
+              <a:pathLst>
+                <a:path w="7485" h="337">
+                  <a:moveTo>
+                    <a:pt x="0" y="2"/>
+                  </a:moveTo>
+                  <a:lnTo>
+                    <a:pt x="7485" y="337"/>
+                  </a:lnTo>
+                  <a:lnTo>
+                    <a:pt x="5558" y="337"/>
+                  </a:lnTo>
+                  <a:lnTo>
+                    <a:pt x="1" y="0"/>
+                  </a:lnTo>
+                </a:path>
+              </a:pathLst>
+            </a:custGeom>
+            <a:solidFill>
+              <a:schemeClr val="accent1">
+                <a:tint val="65000"/>
+                <a:satMod val="115000"/>
+                <a:alpha val="40000"/>
+              </a:schemeClr>
+            </a:solidFill>
+            <a:ln w="9525" cap="flat" cmpd="sng" algn="ctr">
+              <a:noFill/>
+              <a:prstDash val="solid"/>
+              <a:round/>
+              <a:headEnd type="none" w="med" len="med"/>
+              <a:tailEnd type="none" w="med" len="med"/>
+            </a:ln>
+            <a:effectLst/>
+          </p:spPr>
+          <p:txBody>
+            <a:bodyPr vert="horz" wrap="square" lIns="91440" tIns="45720" rIns="91440" bIns="45720" anchor="t" compatLnSpc="1"/>
+            <a:lstStyle/>
+            <a:p>
+              <a:endParaRPr kumimoji="0" lang="en-US" sz="1800"/>
+            </a:p>
+          </p:txBody>
+        </p:sp>
+        <p:sp>
+          <p:nvSpPr>
+            <p:cNvPr id="20" name="Triângulo retângulo 13">
+              <a:extLst>
+                <a:ext uri="{FF2B5EF4-FFF2-40B4-BE49-F238E27FC236}">
+                  <a16:creationId xmlns:a16="http://schemas.microsoft.com/office/drawing/2014/main" id="{B506B50B-5928-4DBA-8202-0350D476EC1E}"/>
+                </a:ext>
+              </a:extLst>
+            </p:cNvPr>
+            <p:cNvSpPr>
+              <a:spLocks/>
+            </p:cNvSpPr>
+            <p:nvPr userDrawn="1"/>
+          </p:nvSpPr>
+          <p:spPr bwMode="auto">
+            <a:xfrm rot="10800000" flipH="1">
+              <a:off x="0" y="-5"/>
+              <a:ext cx="6600056" cy="836713"/>
+            </a:xfrm>
+            <a:prstGeom prst="rtTriangle">
+              <a:avLst/>
+            </a:prstGeom>
+            <a:blipFill>
+              <a:blip r:embed="rId2">
+                <a:alphaModFix amt="50000"/>
+              </a:blip>
+              <a:tile tx="0" ty="0" sx="50000" sy="50000" flip="none" algn="t"/>
+            </a:blipFill>
+            <a:ln w="12700" cap="rnd" cmpd="thickThin" algn="ctr">
+              <a:noFill/>
+              <a:prstDash val="solid"/>
+            </a:ln>
+            <a:effectLst>
+              <a:fillOverlay blend="mult">
+                <a:gradFill flip="none" rotWithShape="1">
+                  <a:gsLst>
+                    <a:gs pos="0">
+                      <a:schemeClr val="accent1">
+                        <a:shade val="20000"/>
+                        <a:satMod val="176000"/>
+                        <a:alpha val="100000"/>
+                      </a:schemeClr>
+                    </a:gs>
+                    <a:gs pos="18000">
+                      <a:schemeClr val="accent1">
+                        <a:shade val="48000"/>
+                        <a:satMod val="153000"/>
+                        <a:alpha val="100000"/>
+                      </a:schemeClr>
+                    </a:gs>
+                    <a:gs pos="43000">
+                      <a:schemeClr val="accent1">
+                        <a:tint val="86000"/>
+                        <a:satMod val="149000"/>
+                        <a:alpha val="100000"/>
+                      </a:schemeClr>
+                    </a:gs>
+                    <a:gs pos="45000">
+                      <a:schemeClr val="accent1">
+                        <a:tint val="85000"/>
+                        <a:satMod val="150000"/>
+                        <a:alpha val="100000"/>
+                      </a:schemeClr>
+                    </a:gs>
+                    <a:gs pos="50000">
+                      <a:schemeClr val="accent1">
+                        <a:tint val="86000"/>
+                        <a:satMod val="149000"/>
+                        <a:alpha val="100000"/>
+                      </a:schemeClr>
+                    </a:gs>
+                    <a:gs pos="79000">
+                      <a:schemeClr val="accent1">
+                        <a:shade val="53000"/>
+                        <a:satMod val="150000"/>
+                        <a:alpha val="100000"/>
+                      </a:schemeClr>
+                    </a:gs>
+                    <a:gs pos="100000">
+                      <a:schemeClr val="accent1">
+                        <a:shade val="25000"/>
+                        <a:satMod val="170000"/>
+                        <a:alpha val="100000"/>
+                      </a:schemeClr>
+                    </a:gs>
+                  </a:gsLst>
+                  <a:lin ang="450000" scaled="1"/>
+                  <a:tileRect/>
+                </a:gradFill>
+              </a:fillOverlay>
+            </a:effectLst>
+          </p:spPr>
+          <p:style>
+            <a:lnRef idx="3">
+              <a:schemeClr val="lt1"/>
+            </a:lnRef>
+            <a:fillRef idx="1">
+              <a:schemeClr val="accent1"/>
+            </a:fillRef>
+            <a:effectRef idx="1">
+              <a:schemeClr val="accent1"/>
+            </a:effectRef>
+            <a:fontRef idx="minor">
+              <a:schemeClr val="lt1"/>
+            </a:fontRef>
+          </p:style>
+          <p:txBody>
+            <a:bodyPr vert="horz" wrap="square" lIns="91440" tIns="45720" rIns="91440" bIns="45720" anchor="ctr" compatLnSpc="1"/>
+            <a:lstStyle/>
+            <a:p>
+              <a:pPr algn="ctr" eaLnBrk="1" latinLnBrk="0" hangingPunct="1"/>
+              <a:endParaRPr kumimoji="0" lang="en-US" sz="1800"/>
+            </a:p>
+          </p:txBody>
+        </p:sp>
+      </p:grpSp>
       <p:sp>
         <p:nvSpPr>
           <p:cNvPr id="12" name="Triângulo retângulo 9">
@@ -1225,209 +2271,6 @@
       </p:sp>
       <p:sp>
         <p:nvSpPr>
-          <p:cNvPr id="13" name="Forma livre 12">
-            <a:extLst>
-              <a:ext uri="{FF2B5EF4-FFF2-40B4-BE49-F238E27FC236}">
-                <a16:creationId xmlns:a16="http://schemas.microsoft.com/office/drawing/2014/main" id="{6608F1C5-0B0B-408F-8D9F-E7ABB9F68A86}"/>
-              </a:ext>
-            </a:extLst>
-          </p:cNvPr>
-          <p:cNvSpPr>
-            <a:spLocks/>
-          </p:cNvSpPr>
-          <p:nvPr userDrawn="1"/>
-        </p:nvSpPr>
-        <p:spPr bwMode="auto">
-          <a:xfrm>
-            <a:off x="-2" y="5186981"/>
-            <a:ext cx="12192002" cy="1671020"/>
-          </a:xfrm>
-          <a:custGeom>
-            <a:avLst>
-              <a:gd name="A1" fmla="val 0"/>
-              <a:gd name="A2" fmla="val 0"/>
-              <a:gd name="A3" fmla="val 0"/>
-              <a:gd name="A4" fmla="val 0"/>
-              <a:gd name="A5" fmla="val 0"/>
-              <a:gd name="A6" fmla="val 0"/>
-              <a:gd name="A7" fmla="val 0"/>
-              <a:gd name="A8" fmla="val 0"/>
-            </a:avLst>
-            <a:gdLst/>
-            <a:ahLst/>
-            <a:cxnLst>
-              <a:cxn ang="0">
-                <a:pos x="0" y="0"/>
-              </a:cxn>
-              <a:cxn ang="0">
-                <a:pos x="5760" y="0"/>
-              </a:cxn>
-              <a:cxn ang="0">
-                <a:pos x="5760" y="528"/>
-              </a:cxn>
-              <a:cxn ang="0">
-                <a:pos x="48" y="0"/>
-              </a:cxn>
-            </a:cxnLst>
-            <a:rect l="0" t="0" r="0" b="0"/>
-            <a:pathLst>
-              <a:path w="7485" h="337">
-                <a:moveTo>
-                  <a:pt x="0" y="2"/>
-                </a:moveTo>
-                <a:lnTo>
-                  <a:pt x="7485" y="337"/>
-                </a:lnTo>
-                <a:lnTo>
-                  <a:pt x="5558" y="337"/>
-                </a:lnTo>
-                <a:lnTo>
-                  <a:pt x="1" y="0"/>
-                </a:lnTo>
-              </a:path>
-            </a:pathLst>
-          </a:custGeom>
-          <a:solidFill>
-            <a:schemeClr val="accent1">
-              <a:tint val="65000"/>
-              <a:satMod val="115000"/>
-              <a:alpha val="40000"/>
-            </a:schemeClr>
-          </a:solidFill>
-          <a:ln w="9525" cap="flat" cmpd="sng" algn="ctr">
-            <a:noFill/>
-            <a:prstDash val="solid"/>
-            <a:round/>
-            <a:headEnd type="none" w="med" len="med"/>
-            <a:tailEnd type="none" w="med" len="med"/>
-          </a:ln>
-          <a:effectLst/>
-        </p:spPr>
-        <p:txBody>
-          <a:bodyPr vert="horz" wrap="square" lIns="91440" tIns="45720" rIns="91440" bIns="45720" anchor="t" compatLnSpc="1"/>
-          <a:lstStyle/>
-          <a:p>
-            <a:endParaRPr kumimoji="0" lang="en-US" sz="1800"/>
-          </a:p>
-        </p:txBody>
-      </p:sp>
-      <p:sp>
-        <p:nvSpPr>
-          <p:cNvPr id="18" name="Triângulo retângulo 13">
-            <a:extLst>
-              <a:ext uri="{FF2B5EF4-FFF2-40B4-BE49-F238E27FC236}">
-                <a16:creationId xmlns:a16="http://schemas.microsoft.com/office/drawing/2014/main" id="{159C197B-1DC7-4FE8-9E19-5984F404644B}"/>
-              </a:ext>
-            </a:extLst>
-          </p:cNvPr>
-          <p:cNvSpPr>
-            <a:spLocks/>
-          </p:cNvSpPr>
-          <p:nvPr userDrawn="1"/>
-        </p:nvSpPr>
-        <p:spPr bwMode="auto">
-          <a:xfrm>
-            <a:off x="-2" y="5142592"/>
-            <a:ext cx="9192346" cy="1715408"/>
-          </a:xfrm>
-          <a:prstGeom prst="rtTriangle">
-            <a:avLst/>
-          </a:prstGeom>
-          <a:blipFill>
-            <a:blip r:embed="rId2">
-              <a:alphaModFix amt="50000"/>
-            </a:blip>
-            <a:tile tx="0" ty="0" sx="50000" sy="50000" flip="none" algn="t"/>
-          </a:blipFill>
-          <a:ln w="12700" cap="rnd" cmpd="thickThin" algn="ctr">
-            <a:noFill/>
-            <a:prstDash val="solid"/>
-          </a:ln>
-          <a:effectLst>
-            <a:fillOverlay blend="mult">
-              <a:gradFill flip="none" rotWithShape="1">
-                <a:gsLst>
-                  <a:gs pos="0">
-                    <a:schemeClr val="accent1">
-                      <a:shade val="20000"/>
-                      <a:satMod val="176000"/>
-                      <a:alpha val="100000"/>
-                    </a:schemeClr>
-                  </a:gs>
-                  <a:gs pos="18000">
-                    <a:schemeClr val="accent1">
-                      <a:shade val="48000"/>
-                      <a:satMod val="153000"/>
-                      <a:alpha val="100000"/>
-                    </a:schemeClr>
-                  </a:gs>
-                  <a:gs pos="43000">
-                    <a:schemeClr val="accent1">
-                      <a:tint val="86000"/>
-                      <a:satMod val="149000"/>
-                      <a:alpha val="100000"/>
-                    </a:schemeClr>
-                  </a:gs>
-                  <a:gs pos="45000">
-                    <a:schemeClr val="accent1">
-                      <a:tint val="85000"/>
-                      <a:satMod val="150000"/>
-                      <a:alpha val="100000"/>
-                    </a:schemeClr>
-                  </a:gs>
-                  <a:gs pos="50000">
-                    <a:schemeClr val="accent1">
-                      <a:tint val="86000"/>
-                      <a:satMod val="149000"/>
-                      <a:alpha val="100000"/>
-                    </a:schemeClr>
-                  </a:gs>
-                  <a:gs pos="79000">
-                    <a:schemeClr val="accent1">
-                      <a:shade val="53000"/>
-                      <a:satMod val="150000"/>
-                      <a:alpha val="100000"/>
-                    </a:schemeClr>
-                  </a:gs>
-                  <a:gs pos="100000">
-                    <a:schemeClr val="accent1">
-                      <a:shade val="25000"/>
-                      <a:satMod val="170000"/>
-                      <a:alpha val="100000"/>
-                    </a:schemeClr>
-                  </a:gs>
-                </a:gsLst>
-                <a:lin ang="450000" scaled="1"/>
-                <a:tileRect/>
-              </a:gradFill>
-            </a:fillOverlay>
-          </a:effectLst>
-        </p:spPr>
-        <p:style>
-          <a:lnRef idx="3">
-            <a:schemeClr val="lt1"/>
-          </a:lnRef>
-          <a:fillRef idx="1">
-            <a:schemeClr val="accent1"/>
-          </a:fillRef>
-          <a:effectRef idx="1">
-            <a:schemeClr val="accent1"/>
-          </a:effectRef>
-          <a:fontRef idx="minor">
-            <a:schemeClr val="lt1"/>
-          </a:fontRef>
-        </p:style>
-        <p:txBody>
-          <a:bodyPr vert="horz" wrap="square" lIns="91440" tIns="45720" rIns="91440" bIns="45720" anchor="ctr" compatLnSpc="1"/>
-          <a:lstStyle/>
-          <a:p>
-            <a:pPr algn="ctr" eaLnBrk="1" latinLnBrk="0" hangingPunct="1"/>
-            <a:endParaRPr kumimoji="0" lang="en-US" sz="1800" dirty="0"/>
-          </a:p>
-        </p:txBody>
-      </p:sp>
-      <p:sp>
-        <p:nvSpPr>
           <p:cNvPr id="19" name="TextBox 20">
             <a:extLst>
               <a:ext uri="{FF2B5EF4-FFF2-40B4-BE49-F238E27FC236}">
@@ -1476,92 +2319,6 @@
                 <a:schemeClr val="tx1"/>
               </a:solidFill>
             </a:endParaRPr>
-          </a:p>
-        </p:txBody>
-      </p:sp>
-      <p:sp>
-        <p:nvSpPr>
-          <p:cNvPr id="23" name="Forma livre 11">
-            <a:extLst>
-              <a:ext uri="{FF2B5EF4-FFF2-40B4-BE49-F238E27FC236}">
-                <a16:creationId xmlns:a16="http://schemas.microsoft.com/office/drawing/2014/main" id="{59D8FAB9-67AD-4ECA-BBFB-157D3659E9BD}"/>
-              </a:ext>
-            </a:extLst>
-          </p:cNvPr>
-          <p:cNvSpPr>
-            <a:spLocks/>
-          </p:cNvSpPr>
-          <p:nvPr userDrawn="1"/>
-        </p:nvSpPr>
-        <p:spPr bwMode="auto">
-          <a:xfrm>
-            <a:off x="-2" y="5142592"/>
-            <a:ext cx="9408370" cy="1728726"/>
-          </a:xfrm>
-          <a:custGeom>
-            <a:avLst>
-              <a:gd name="A1" fmla="val 0"/>
-              <a:gd name="A2" fmla="val 0"/>
-              <a:gd name="A3" fmla="val 0"/>
-              <a:gd name="A4" fmla="val 0"/>
-              <a:gd name="A5" fmla="val 0"/>
-              <a:gd name="A6" fmla="val 0"/>
-              <a:gd name="A7" fmla="val 0"/>
-              <a:gd name="A8" fmla="val 0"/>
-            </a:avLst>
-            <a:gdLst/>
-            <a:ahLst/>
-            <a:cxnLst>
-              <a:cxn ang="0">
-                <a:pos x="0" y="0"/>
-              </a:cxn>
-              <a:cxn ang="0">
-                <a:pos x="5760" y="0"/>
-              </a:cxn>
-              <a:cxn ang="0">
-                <a:pos x="5760" y="528"/>
-              </a:cxn>
-              <a:cxn ang="0">
-                <a:pos x="48" y="0"/>
-              </a:cxn>
-            </a:cxnLst>
-            <a:rect l="0" t="0" r="0" b="0"/>
-            <a:pathLst>
-              <a:path w="5591" h="588">
-                <a:moveTo>
-                  <a:pt x="0" y="0"/>
-                </a:moveTo>
-                <a:lnTo>
-                  <a:pt x="5591" y="585"/>
-                </a:lnTo>
-                <a:lnTo>
-                  <a:pt x="4415" y="588"/>
-                </a:lnTo>
-                <a:lnTo>
-                  <a:pt x="12" y="4"/>
-                </a:lnTo>
-              </a:path>
-            </a:pathLst>
-          </a:custGeom>
-          <a:solidFill>
-            <a:srgbClr val="000000">
-              <a:alpha val="100000"/>
-            </a:srgbClr>
-          </a:solidFill>
-          <a:ln w="9525" cap="flat" cmpd="sng" algn="ctr">
-            <a:noFill/>
-            <a:prstDash val="solid"/>
-            <a:round/>
-            <a:headEnd type="none" w="med" len="med"/>
-            <a:tailEnd type="none" w="med" len="med"/>
-          </a:ln>
-          <a:effectLst/>
-        </p:spPr>
-        <p:txBody>
-          <a:bodyPr vert="horz" wrap="square" lIns="91440" tIns="45720" rIns="91440" bIns="45720" anchor="t" compatLnSpc="1"/>
-          <a:lstStyle/>
-          <a:p>
-            <a:endParaRPr kumimoji="0" lang="en-US" sz="1800"/>
           </a:p>
         </p:txBody>
       </p:sp>
@@ -1820,7 +2577,7 @@
             <a:fld id="{B41ABA4E-CD72-497B-97AA-7213B3980F60}" type="datetimeFigureOut">
               <a:rPr lang="en-US" smtClean="0"/>
               <a:pPr/>
-              <a:t>8/11/2019</a:t>
+              <a:t>11/10/2021</a:t>
             </a:fld>
             <a:endParaRPr lang="en-US" dirty="0"/>
           </a:p>
@@ -1997,7 +2754,7 @@
             <a:fld id="{B41ABA4E-CD72-497B-97AA-7213B3980F60}" type="datetimeFigureOut">
               <a:rPr lang="en-US" smtClean="0"/>
               <a:pPr/>
-              <a:t>8/11/2019</a:t>
+              <a:t>11/10/2021</a:t>
             </a:fld>
             <a:endParaRPr lang="en-US" dirty="0"/>
           </a:p>
@@ -2193,7 +2950,7 @@
             <a:fld id="{B41ABA4E-CD72-497B-97AA-7213B3980F60}" type="datetimeFigureOut">
               <a:rPr lang="en-US" smtClean="0"/>
               <a:pPr/>
-              <a:t>8/11/2019</a:t>
+              <a:t>11/10/2021</a:t>
             </a:fld>
             <a:endParaRPr lang="en-US" dirty="0"/>
           </a:p>
@@ -2454,7 +3211,7 @@
             <a:fld id="{B41ABA4E-CD72-497B-97AA-7213B3980F60}" type="datetimeFigureOut">
               <a:rPr lang="en-US" smtClean="0"/>
               <a:pPr/>
-              <a:t>8/11/2019</a:t>
+              <a:t>11/10/2021</a:t>
             </a:fld>
             <a:endParaRPr lang="en-US" dirty="0"/>
           </a:p>
@@ -2855,7 +3612,7 @@
             <a:fld id="{B41ABA4E-CD72-497B-97AA-7213B3980F60}" type="datetimeFigureOut">
               <a:rPr lang="en-US" smtClean="0"/>
               <a:pPr/>
-              <a:t>8/11/2019</a:t>
+              <a:t>11/10/2021</a:t>
             </a:fld>
             <a:endParaRPr lang="en-US" dirty="0"/>
           </a:p>
@@ -3295,7 +4052,7 @@
             <a:fld id="{B41ABA4E-CD72-497B-97AA-7213B3980F60}" type="datetimeFigureOut">
               <a:rPr lang="en-US" smtClean="0"/>
               <a:pPr/>
-              <a:t>8/11/2019</a:t>
+              <a:t>11/10/2021</a:t>
             </a:fld>
             <a:endParaRPr lang="en-US" dirty="0"/>
           </a:p>
@@ -3392,7 +4149,7 @@
             <a:fld id="{B41ABA4E-CD72-497B-97AA-7213B3980F60}" type="datetimeFigureOut">
               <a:rPr lang="en-US" smtClean="0"/>
               <a:pPr/>
-              <a:t>8/11/2019</a:t>
+              <a:t>11/10/2021</a:t>
             </a:fld>
             <a:endParaRPr lang="en-US" dirty="0"/>
           </a:p>
@@ -3507,7 +4264,7 @@
             <a:fld id="{B41ABA4E-CD72-497B-97AA-7213B3980F60}" type="datetimeFigureOut">
               <a:rPr lang="en-US" smtClean="0"/>
               <a:pPr/>
-              <a:t>8/11/2019</a:t>
+              <a:t>11/10/2021</a:t>
             </a:fld>
             <a:endParaRPr lang="en-US" dirty="0"/>
           </a:p>
@@ -3777,7 +4534,7 @@
             <a:fld id="{B41ABA4E-CD72-497B-97AA-7213B3980F60}" type="datetimeFigureOut">
               <a:rPr lang="en-US" smtClean="0"/>
               <a:pPr/>
-              <a:t>8/11/2019</a:t>
+              <a:t>11/10/2021</a:t>
             </a:fld>
             <a:endParaRPr lang="en-US" dirty="0"/>
           </a:p>
@@ -3980,7 +4737,7 @@
             <a:fld id="{B41ABA4E-CD72-497B-97AA-7213B3980F60}" type="datetimeFigureOut">
               <a:rPr lang="en-US" smtClean="0"/>
               <a:pPr/>
-              <a:t>8/11/2019</a:t>
+              <a:t>11/10/2021</a:t>
             </a:fld>
             <a:endParaRPr lang="en-US" dirty="0"/>
           </a:p>
@@ -4615,178 +5372,22 @@
       </p:grpSpPr>
       <p:sp>
         <p:nvSpPr>
-          <p:cNvPr id="13" name="Forma livre 12"/>
+          <p:cNvPr id="17" name="Triângulo retângulo 13">
+            <a:extLst>
+              <a:ext uri="{FF2B5EF4-FFF2-40B4-BE49-F238E27FC236}">
+                <a16:creationId xmlns:a16="http://schemas.microsoft.com/office/drawing/2014/main" id="{CAF47DFF-D9ED-42DB-9AD1-957D53904F79}"/>
+              </a:ext>
+            </a:extLst>
+          </p:cNvPr>
           <p:cNvSpPr>
             <a:spLocks/>
           </p:cNvSpPr>
-          <p:nvPr/>
+          <p:nvPr userDrawn="1"/>
         </p:nvSpPr>
         <p:spPr bwMode="auto">
-          <a:xfrm>
-            <a:off x="665698" y="6405474"/>
-            <a:ext cx="4086153" cy="460538"/>
-          </a:xfrm>
-          <a:custGeom>
-            <a:avLst>
-              <a:gd name="A1" fmla="val 0"/>
-              <a:gd name="A2" fmla="val 0"/>
-              <a:gd name="A3" fmla="val 0"/>
-              <a:gd name="A4" fmla="val 0"/>
-              <a:gd name="A5" fmla="val 0"/>
-              <a:gd name="A6" fmla="val 0"/>
-              <a:gd name="A7" fmla="val 0"/>
-              <a:gd name="A8" fmla="val 0"/>
-            </a:avLst>
-            <a:gdLst/>
-            <a:ahLst/>
-            <a:cxnLst>
-              <a:cxn ang="0">
-                <a:pos x="0" y="0"/>
-              </a:cxn>
-              <a:cxn ang="0">
-                <a:pos x="5760" y="0"/>
-              </a:cxn>
-              <a:cxn ang="0">
-                <a:pos x="5760" y="528"/>
-              </a:cxn>
-              <a:cxn ang="0">
-                <a:pos x="48" y="0"/>
-              </a:cxn>
-            </a:cxnLst>
-            <a:rect l="0" t="0" r="0" b="0"/>
-            <a:pathLst>
-              <a:path w="7485" h="337">
-                <a:moveTo>
-                  <a:pt x="0" y="2"/>
-                </a:moveTo>
-                <a:lnTo>
-                  <a:pt x="7485" y="337"/>
-                </a:lnTo>
-                <a:lnTo>
-                  <a:pt x="5558" y="337"/>
-                </a:lnTo>
-                <a:lnTo>
-                  <a:pt x="1" y="0"/>
-                </a:lnTo>
-              </a:path>
-            </a:pathLst>
-          </a:custGeom>
-          <a:solidFill>
-            <a:schemeClr val="accent1">
-              <a:tint val="65000"/>
-              <a:satMod val="115000"/>
-              <a:alpha val="40000"/>
-            </a:schemeClr>
-          </a:solidFill>
-          <a:ln w="9525" cap="flat" cmpd="sng" algn="ctr">
-            <a:noFill/>
-            <a:prstDash val="solid"/>
-            <a:round/>
-            <a:headEnd type="none" w="med" len="med"/>
-            <a:tailEnd type="none" w="med" len="med"/>
-          </a:ln>
-          <a:effectLst/>
-        </p:spPr>
-        <p:txBody>
-          <a:bodyPr vert="horz" wrap="square" lIns="91440" tIns="45720" rIns="91440" bIns="45720" anchor="t" compatLnSpc="1"/>
-          <a:lstStyle/>
-          <a:p>
-            <a:endParaRPr kumimoji="0" lang="en-US" sz="1800"/>
-          </a:p>
-        </p:txBody>
-      </p:sp>
-      <p:sp>
-        <p:nvSpPr>
-          <p:cNvPr id="12" name="Forma livre 11"/>
-          <p:cNvSpPr>
-            <a:spLocks/>
-          </p:cNvSpPr>
-          <p:nvPr/>
-        </p:nvSpPr>
-        <p:spPr bwMode="auto">
-          <a:xfrm>
-            <a:off x="647624" y="6418660"/>
-            <a:ext cx="3052195" cy="447352"/>
-          </a:xfrm>
-          <a:custGeom>
-            <a:avLst>
-              <a:gd name="A1" fmla="val 0"/>
-              <a:gd name="A2" fmla="val 0"/>
-              <a:gd name="A3" fmla="val 0"/>
-              <a:gd name="A4" fmla="val 0"/>
-              <a:gd name="A5" fmla="val 0"/>
-              <a:gd name="A6" fmla="val 0"/>
-              <a:gd name="A7" fmla="val 0"/>
-              <a:gd name="A8" fmla="val 0"/>
-            </a:avLst>
-            <a:gdLst/>
-            <a:ahLst/>
-            <a:cxnLst>
-              <a:cxn ang="0">
-                <a:pos x="0" y="0"/>
-              </a:cxn>
-              <a:cxn ang="0">
-                <a:pos x="5760" y="0"/>
-              </a:cxn>
-              <a:cxn ang="0">
-                <a:pos x="5760" y="528"/>
-              </a:cxn>
-              <a:cxn ang="0">
-                <a:pos x="48" y="0"/>
-              </a:cxn>
-            </a:cxnLst>
-            <a:rect l="0" t="0" r="0" b="0"/>
-            <a:pathLst>
-              <a:path w="5591" h="588">
-                <a:moveTo>
-                  <a:pt x="0" y="0"/>
-                </a:moveTo>
-                <a:lnTo>
-                  <a:pt x="5591" y="585"/>
-                </a:lnTo>
-                <a:lnTo>
-                  <a:pt x="4415" y="588"/>
-                </a:lnTo>
-                <a:lnTo>
-                  <a:pt x="12" y="4"/>
-                </a:lnTo>
-              </a:path>
-            </a:pathLst>
-          </a:custGeom>
-          <a:solidFill>
-            <a:srgbClr val="000000">
-              <a:alpha val="100000"/>
-            </a:srgbClr>
-          </a:solidFill>
-          <a:ln w="9525" cap="flat" cmpd="sng" algn="ctr">
-            <a:noFill/>
-            <a:prstDash val="solid"/>
-            <a:round/>
-            <a:headEnd type="none" w="med" len="med"/>
-            <a:tailEnd type="none" w="med" len="med"/>
-          </a:ln>
-          <a:effectLst/>
-        </p:spPr>
-        <p:txBody>
-          <a:bodyPr vert="horz" wrap="square" lIns="91440" tIns="45720" rIns="91440" bIns="45720" anchor="t" compatLnSpc="1"/>
-          <a:lstStyle/>
-          <a:p>
-            <a:endParaRPr kumimoji="0" lang="en-US" sz="1800"/>
-          </a:p>
-        </p:txBody>
-      </p:sp>
-      <p:sp>
-        <p:nvSpPr>
-          <p:cNvPr id="14" name="Triângulo retângulo 13"/>
-          <p:cNvSpPr>
-            <a:spLocks/>
-          </p:cNvSpPr>
-          <p:nvPr/>
-        </p:nvSpPr>
-        <p:spPr bwMode="auto">
-          <a:xfrm>
-            <a:off x="-8056" y="6331687"/>
-            <a:ext cx="2813891" cy="540434"/>
+          <a:xfrm rot="10800000">
+            <a:off x="6600056" y="-2"/>
+            <a:ext cx="5600000" cy="836713"/>
           </a:xfrm>
           <a:prstGeom prst="rtTriangle">
             <a:avLst/>
@@ -4884,6 +5485,316 @@
           </a:p>
         </p:txBody>
       </p:sp>
+      <p:grpSp>
+        <p:nvGrpSpPr>
+          <p:cNvPr id="19" name="Agrupar 18">
+            <a:extLst>
+              <a:ext uri="{FF2B5EF4-FFF2-40B4-BE49-F238E27FC236}">
+                <a16:creationId xmlns:a16="http://schemas.microsoft.com/office/drawing/2014/main" id="{B58ED8F1-402E-4E66-BE62-D28189586D48}"/>
+              </a:ext>
+            </a:extLst>
+          </p:cNvPr>
+          <p:cNvGrpSpPr/>
+          <p:nvPr userDrawn="1"/>
+        </p:nvGrpSpPr>
+        <p:grpSpPr>
+          <a:xfrm>
+            <a:off x="0" y="6007292"/>
+            <a:ext cx="5591944" cy="850708"/>
+            <a:chOff x="0" y="6317566"/>
+            <a:chExt cx="4759907" cy="540434"/>
+          </a:xfrm>
+        </p:grpSpPr>
+        <p:sp>
+          <p:nvSpPr>
+            <p:cNvPr id="20" name="Forma livre 12">
+              <a:extLst>
+                <a:ext uri="{FF2B5EF4-FFF2-40B4-BE49-F238E27FC236}">
+                  <a16:creationId xmlns:a16="http://schemas.microsoft.com/office/drawing/2014/main" id="{17203345-A242-41FB-9597-82A607463BA1}"/>
+                </a:ext>
+              </a:extLst>
+            </p:cNvPr>
+            <p:cNvSpPr>
+              <a:spLocks/>
+            </p:cNvSpPr>
+            <p:nvPr/>
+          </p:nvSpPr>
+          <p:spPr bwMode="auto">
+            <a:xfrm>
+              <a:off x="673754" y="6391353"/>
+              <a:ext cx="4086153" cy="460538"/>
+            </a:xfrm>
+            <a:custGeom>
+              <a:avLst>
+                <a:gd name="A1" fmla="val 0"/>
+                <a:gd name="A2" fmla="val 0"/>
+                <a:gd name="A3" fmla="val 0"/>
+                <a:gd name="A4" fmla="val 0"/>
+                <a:gd name="A5" fmla="val 0"/>
+                <a:gd name="A6" fmla="val 0"/>
+                <a:gd name="A7" fmla="val 0"/>
+                <a:gd name="A8" fmla="val 0"/>
+              </a:avLst>
+              <a:gdLst/>
+              <a:ahLst/>
+              <a:cxnLst>
+                <a:cxn ang="0">
+                  <a:pos x="0" y="0"/>
+                </a:cxn>
+                <a:cxn ang="0">
+                  <a:pos x="5760" y="0"/>
+                </a:cxn>
+                <a:cxn ang="0">
+                  <a:pos x="5760" y="528"/>
+                </a:cxn>
+                <a:cxn ang="0">
+                  <a:pos x="48" y="0"/>
+                </a:cxn>
+              </a:cxnLst>
+              <a:rect l="0" t="0" r="0" b="0"/>
+              <a:pathLst>
+                <a:path w="7485" h="337">
+                  <a:moveTo>
+                    <a:pt x="0" y="2"/>
+                  </a:moveTo>
+                  <a:lnTo>
+                    <a:pt x="7485" y="337"/>
+                  </a:lnTo>
+                  <a:lnTo>
+                    <a:pt x="5558" y="337"/>
+                  </a:lnTo>
+                  <a:lnTo>
+                    <a:pt x="1" y="0"/>
+                  </a:lnTo>
+                </a:path>
+              </a:pathLst>
+            </a:custGeom>
+            <a:solidFill>
+              <a:schemeClr val="accent1">
+                <a:tint val="65000"/>
+                <a:satMod val="115000"/>
+                <a:alpha val="40000"/>
+              </a:schemeClr>
+            </a:solidFill>
+            <a:ln w="9525" cap="flat" cmpd="sng" algn="ctr">
+              <a:noFill/>
+              <a:prstDash val="solid"/>
+              <a:round/>
+              <a:headEnd type="none" w="med" len="med"/>
+              <a:tailEnd type="none" w="med" len="med"/>
+            </a:ln>
+            <a:effectLst/>
+          </p:spPr>
+          <p:txBody>
+            <a:bodyPr vert="horz" wrap="square" lIns="91440" tIns="45720" rIns="91440" bIns="45720" anchor="t" compatLnSpc="1"/>
+            <a:lstStyle/>
+            <a:p>
+              <a:endParaRPr kumimoji="0" lang="en-US" sz="1800"/>
+            </a:p>
+          </p:txBody>
+        </p:sp>
+        <p:sp>
+          <p:nvSpPr>
+            <p:cNvPr id="21" name="Forma livre 11">
+              <a:extLst>
+                <a:ext uri="{FF2B5EF4-FFF2-40B4-BE49-F238E27FC236}">
+                  <a16:creationId xmlns:a16="http://schemas.microsoft.com/office/drawing/2014/main" id="{6FAA5DA8-14D0-447C-B438-F407C7F7F15E}"/>
+                </a:ext>
+              </a:extLst>
+            </p:cNvPr>
+            <p:cNvSpPr>
+              <a:spLocks/>
+            </p:cNvSpPr>
+            <p:nvPr/>
+          </p:nvSpPr>
+          <p:spPr bwMode="auto">
+            <a:xfrm>
+              <a:off x="655680" y="6404539"/>
+              <a:ext cx="3052195" cy="447352"/>
+            </a:xfrm>
+            <a:custGeom>
+              <a:avLst>
+                <a:gd name="A1" fmla="val 0"/>
+                <a:gd name="A2" fmla="val 0"/>
+                <a:gd name="A3" fmla="val 0"/>
+                <a:gd name="A4" fmla="val 0"/>
+                <a:gd name="A5" fmla="val 0"/>
+                <a:gd name="A6" fmla="val 0"/>
+                <a:gd name="A7" fmla="val 0"/>
+                <a:gd name="A8" fmla="val 0"/>
+              </a:avLst>
+              <a:gdLst/>
+              <a:ahLst/>
+              <a:cxnLst>
+                <a:cxn ang="0">
+                  <a:pos x="0" y="0"/>
+                </a:cxn>
+                <a:cxn ang="0">
+                  <a:pos x="5760" y="0"/>
+                </a:cxn>
+                <a:cxn ang="0">
+                  <a:pos x="5760" y="528"/>
+                </a:cxn>
+                <a:cxn ang="0">
+                  <a:pos x="48" y="0"/>
+                </a:cxn>
+              </a:cxnLst>
+              <a:rect l="0" t="0" r="0" b="0"/>
+              <a:pathLst>
+                <a:path w="5591" h="588">
+                  <a:moveTo>
+                    <a:pt x="0" y="0"/>
+                  </a:moveTo>
+                  <a:lnTo>
+                    <a:pt x="5591" y="585"/>
+                  </a:lnTo>
+                  <a:lnTo>
+                    <a:pt x="4415" y="588"/>
+                  </a:lnTo>
+                  <a:lnTo>
+                    <a:pt x="12" y="4"/>
+                  </a:lnTo>
+                </a:path>
+              </a:pathLst>
+            </a:custGeom>
+            <a:solidFill>
+              <a:srgbClr val="000000">
+                <a:alpha val="100000"/>
+              </a:srgbClr>
+            </a:solidFill>
+            <a:ln w="9525" cap="flat" cmpd="sng" algn="ctr">
+              <a:noFill/>
+              <a:prstDash val="solid"/>
+              <a:round/>
+              <a:headEnd type="none" w="med" len="med"/>
+              <a:tailEnd type="none" w="med" len="med"/>
+            </a:ln>
+            <a:effectLst/>
+          </p:spPr>
+          <p:txBody>
+            <a:bodyPr vert="horz" wrap="square" lIns="91440" tIns="45720" rIns="91440" bIns="45720" anchor="t" compatLnSpc="1"/>
+            <a:lstStyle/>
+            <a:p>
+              <a:endParaRPr kumimoji="0" lang="en-US" sz="1800"/>
+            </a:p>
+          </p:txBody>
+        </p:sp>
+        <p:sp>
+          <p:nvSpPr>
+            <p:cNvPr id="23" name="Triângulo retângulo 13">
+              <a:extLst>
+                <a:ext uri="{FF2B5EF4-FFF2-40B4-BE49-F238E27FC236}">
+                  <a16:creationId xmlns:a16="http://schemas.microsoft.com/office/drawing/2014/main" id="{DA392B70-7073-47E6-BCDC-3D1C15189562}"/>
+                </a:ext>
+              </a:extLst>
+            </p:cNvPr>
+            <p:cNvSpPr>
+              <a:spLocks/>
+            </p:cNvSpPr>
+            <p:nvPr/>
+          </p:nvSpPr>
+          <p:spPr bwMode="auto">
+            <a:xfrm>
+              <a:off x="0" y="6317566"/>
+              <a:ext cx="2813891" cy="540434"/>
+            </a:xfrm>
+            <a:prstGeom prst="rtTriangle">
+              <a:avLst/>
+            </a:prstGeom>
+            <a:blipFill>
+              <a:blip r:embed="rId13">
+                <a:alphaModFix amt="50000"/>
+              </a:blip>
+              <a:tile tx="0" ty="0" sx="50000" sy="50000" flip="none" algn="t"/>
+            </a:blipFill>
+            <a:ln w="12700" cap="rnd" cmpd="thickThin" algn="ctr">
+              <a:noFill/>
+              <a:prstDash val="solid"/>
+            </a:ln>
+            <a:effectLst>
+              <a:fillOverlay blend="mult">
+                <a:gradFill flip="none" rotWithShape="1">
+                  <a:gsLst>
+                    <a:gs pos="0">
+                      <a:schemeClr val="accent1">
+                        <a:shade val="20000"/>
+                        <a:satMod val="176000"/>
+                        <a:alpha val="100000"/>
+                      </a:schemeClr>
+                    </a:gs>
+                    <a:gs pos="18000">
+                      <a:schemeClr val="accent1">
+                        <a:shade val="48000"/>
+                        <a:satMod val="153000"/>
+                        <a:alpha val="100000"/>
+                      </a:schemeClr>
+                    </a:gs>
+                    <a:gs pos="43000">
+                      <a:schemeClr val="accent1">
+                        <a:tint val="86000"/>
+                        <a:satMod val="149000"/>
+                        <a:alpha val="100000"/>
+                      </a:schemeClr>
+                    </a:gs>
+                    <a:gs pos="45000">
+                      <a:schemeClr val="accent1">
+                        <a:tint val="85000"/>
+                        <a:satMod val="150000"/>
+                        <a:alpha val="100000"/>
+                      </a:schemeClr>
+                    </a:gs>
+                    <a:gs pos="50000">
+                      <a:schemeClr val="accent1">
+                        <a:tint val="86000"/>
+                        <a:satMod val="149000"/>
+                        <a:alpha val="100000"/>
+                      </a:schemeClr>
+                    </a:gs>
+                    <a:gs pos="79000">
+                      <a:schemeClr val="accent1">
+                        <a:shade val="53000"/>
+                        <a:satMod val="150000"/>
+                        <a:alpha val="100000"/>
+                      </a:schemeClr>
+                    </a:gs>
+                    <a:gs pos="100000">
+                      <a:schemeClr val="accent1">
+                        <a:shade val="25000"/>
+                        <a:satMod val="170000"/>
+                        <a:alpha val="100000"/>
+                      </a:schemeClr>
+                    </a:gs>
+                  </a:gsLst>
+                  <a:lin ang="450000" scaled="1"/>
+                  <a:tileRect/>
+                </a:gradFill>
+              </a:fillOverlay>
+            </a:effectLst>
+          </p:spPr>
+          <p:style>
+            <a:lnRef idx="3">
+              <a:schemeClr val="lt1"/>
+            </a:lnRef>
+            <a:fillRef idx="1">
+              <a:schemeClr val="accent1"/>
+            </a:fillRef>
+            <a:effectRef idx="1">
+              <a:schemeClr val="accent1"/>
+            </a:effectRef>
+            <a:fontRef idx="minor">
+              <a:schemeClr val="lt1"/>
+            </a:fontRef>
+          </p:style>
+          <p:txBody>
+            <a:bodyPr vert="horz" wrap="square" lIns="91440" tIns="45720" rIns="91440" bIns="45720" anchor="ctr" compatLnSpc="1"/>
+            <a:lstStyle/>
+            <a:p>
+              <a:pPr algn="ctr" eaLnBrk="1" latinLnBrk="0" hangingPunct="1"/>
+              <a:endParaRPr kumimoji="0" lang="en-US" sz="1800"/>
+            </a:p>
+          </p:txBody>
+        </p:sp>
+      </p:grpSp>
       <p:sp>
         <p:nvSpPr>
           <p:cNvPr id="9" name="Espaço Reservado para Título 8"/>
@@ -5021,7 +5932,7 @@
             <a:fld id="{B41ABA4E-CD72-497B-97AA-7213B3980F60}" type="datetimeFigureOut">
               <a:rPr lang="en-US" smtClean="0"/>
               <a:pPr/>
-              <a:t>8/11/2019</a:t>
+              <a:t>11/10/2021</a:t>
             </a:fld>
             <a:endParaRPr lang="en-US" dirty="0"/>
           </a:p>
@@ -5447,11 +6358,13 @@
         </p:nvSpPr>
         <p:spPr/>
         <p:txBody>
-          <a:bodyPr/>
+          <a:bodyPr>
+            <a:normAutofit/>
+          </a:bodyPr>
           <a:lstStyle/>
           <a:p>
             <a:r>
-              <a:rPr lang="pt-BR" dirty="0"/>
+              <a:rPr lang="pt-BR" sz="6600" dirty="0"/>
               <a:t>Padrões e Scripts</a:t>
             </a:r>
           </a:p>
@@ -5475,12 +6388,14 @@
         </p:nvSpPr>
         <p:spPr/>
         <p:txBody>
-          <a:bodyPr/>
+          <a:bodyPr>
+            <a:normAutofit/>
+          </a:bodyPr>
           <a:lstStyle/>
           <a:p>
             <a:r>
-              <a:rPr lang="pt-BR" dirty="0"/>
-              <a:t>Desenvolvimento de Jogos</a:t>
+              <a:rPr lang="pt-BR" sz="3600" dirty="0"/>
+              <a:t>Programação de Jogos</a:t>
             </a:r>
           </a:p>
         </p:txBody>
@@ -5551,35 +6466,7 @@
               </a:rPr>
               <a:t>sequência de passos </a:t>
             </a:r>
-            <a:r>
-              <a:rPr lang="pt-BR" dirty="0"/>
-              <a:t>para movimentar os objetos</a:t>
-            </a:r>
-          </a:p>
-          <a:p>
-            <a:endParaRPr lang="pt-BR" dirty="0"/>
-          </a:p>
-          <a:p>
-            <a:endParaRPr lang="pt-BR" dirty="0"/>
-          </a:p>
-          <a:p>
-            <a:endParaRPr lang="pt-BR" dirty="0"/>
-          </a:p>
-          <a:p>
-            <a:endParaRPr lang="pt-BR" dirty="0"/>
-          </a:p>
-          <a:p>
-            <a:endParaRPr lang="pt-BR" dirty="0"/>
-          </a:p>
-          <a:p>
-            <a:endParaRPr lang="pt-BR" dirty="0"/>
-          </a:p>
-          <a:p>
-            <a:r>
-              <a:rPr lang="pt-BR" dirty="0"/>
-              <a:t>Estas sequências formam </a:t>
-            </a:r>
-            <a:r>
+            <a:br>
               <a:rPr lang="pt-BR" dirty="0">
                 <a:solidFill>
                   <a:schemeClr val="accent1">
@@ -5587,11 +6474,38 @@
                   </a:schemeClr>
                 </a:solidFill>
               </a:rPr>
-              <a:t>padrões de movimento</a:t>
-            </a:r>
+            </a:br>
             <a:r>
               <a:rPr lang="pt-BR" dirty="0"/>
-              <a:t> que podem ser executados através de </a:t>
+              <a:t>para movimentar os objetos</a:t>
+            </a:r>
+          </a:p>
+          <a:p>
+            <a:pPr lvl="1"/>
+            <a:r>
+              <a:rPr lang="pt-BR" dirty="0"/>
+              <a:t>Estas sequências formam </a:t>
+            </a:r>
+            <a:r>
+              <a:rPr lang="pt-BR" dirty="0">
+                <a:solidFill>
+                  <a:schemeClr val="accent1">
+                    <a:lumMod val="75000"/>
+                  </a:schemeClr>
+                </a:solidFill>
+              </a:rPr>
+              <a:t>padrões </a:t>
+            </a:r>
+            <a:r>
+              <a:rPr lang="pt-BR" dirty="0"/>
+              <a:t>de movimento </a:t>
+            </a:r>
+          </a:p>
+          <a:p>
+            <a:pPr lvl="1"/>
+            <a:r>
+              <a:rPr lang="pt-BR" dirty="0"/>
+              <a:t>Podem ser executados através de </a:t>
             </a:r>
             <a:r>
               <a:rPr lang="pt-BR" dirty="0">
@@ -5642,7 +6556,7 @@
         </p:nvGrpSpPr>
         <p:grpSpPr>
           <a:xfrm>
-            <a:off x="2567608" y="2725489"/>
+            <a:off x="2567608" y="3789040"/>
             <a:ext cx="6272894" cy="1787823"/>
             <a:chOff x="2567608" y="2725489"/>
             <a:chExt cx="6272894" cy="1787823"/>
@@ -6880,6 +7794,9 @@
   <p:clrMapOvr>
     <a:masterClrMapping/>
   </p:clrMapOvr>
+  <p:transition spd="slow">
+    <p:wipe/>
+  </p:transition>
 </p:sld>
 </file>
 
@@ -6938,7 +7855,14 @@
             </a:r>
             <a:r>
               <a:rPr lang="pt-BR" dirty="0"/>
-              <a:t> usam esta técnica para movimentar os inimigos em padrões de entrada e de ataque</a:t>
+              <a:t> usam esta técnica para mover </a:t>
+            </a:r>
+            <a:br>
+              <a:rPr lang="pt-BR" dirty="0"/>
+            </a:br>
+            <a:r>
+              <a:rPr lang="pt-BR" dirty="0"/>
+              <a:t>os inimigos em padrões de entrada e de ataque</a:t>
             </a:r>
           </a:p>
           <a:p>
@@ -6959,50 +7883,61 @@
           <a:p>
             <a:endParaRPr lang="pt-BR" dirty="0"/>
           </a:p>
-          <a:p>
-            <a:r>
-              <a:rPr lang="pt-BR" dirty="0"/>
-              <a:t>Uma forma de implementar esta movimentação é através da </a:t>
-            </a:r>
-            <a:r>
-              <a:rPr lang="pt-BR" dirty="0">
+        </p:txBody>
+      </p:sp>
+      <p:pic>
+        <p:nvPicPr>
+          <p:cNvPr id="1026" name="Picture 2" descr="Picture of Galaga">
+            <a:extLst>
+              <a:ext uri="{FF2B5EF4-FFF2-40B4-BE49-F238E27FC236}">
+                <a16:creationId xmlns:a16="http://schemas.microsoft.com/office/drawing/2014/main" id="{D7DBE9F9-A3A7-48E2-B658-873F46C8036F}"/>
+              </a:ext>
+            </a:extLst>
+          </p:cNvPr>
+          <p:cNvPicPr>
+            <a:picLocks noChangeAspect="1" noChangeArrowheads="1"/>
+          </p:cNvPicPr>
+          <p:nvPr/>
+        </p:nvPicPr>
+        <p:blipFill rotWithShape="1">
+          <a:blip r:embed="rId4">
+            <a:extLst>
+              <a:ext uri="{28A0092B-C50C-407E-A947-70E740481C1C}">
+                <a14:useLocalDpi xmlns:a14="http://schemas.microsoft.com/office/drawing/2010/main" val="0"/>
+              </a:ext>
+            </a:extLst>
+          </a:blip>
+          <a:srcRect l="2564" t="8022" r="1282" b="30990"/>
+          <a:stretch/>
+        </p:blipFill>
+        <p:spPr bwMode="auto">
+          <a:xfrm>
+            <a:off x="2004367" y="3101939"/>
+            <a:ext cx="3790778" cy="2122836"/>
+          </a:xfrm>
+          <a:prstGeom prst="rect">
+            <a:avLst/>
+          </a:prstGeom>
+          <a:noFill/>
+          <a:ln>
+            <a:solidFill>
+              <a:schemeClr val="tx1">
+                <a:lumMod val="85000"/>
+                <a:lumOff val="15000"/>
+              </a:schemeClr>
+            </a:solidFill>
+          </a:ln>
+          <a:extLst>
+            <a:ext uri="{909E8E84-426E-40DD-AFC4-6F175D3DCCD1}">
+              <a14:hiddenFill xmlns:a14="http://schemas.microsoft.com/office/drawing/2010/main">
                 <a:solidFill>
-                  <a:schemeClr val="accent1">
-                    <a:lumMod val="75000"/>
-                  </a:schemeClr>
+                  <a:srgbClr val="FFFFFF"/>
                 </a:solidFill>
-              </a:rPr>
-              <a:t>interpretação de instruções</a:t>
-            </a:r>
-            <a:r>
-              <a:rPr lang="pt-BR" dirty="0"/>
-              <a:t> (scripts)</a:t>
-            </a:r>
-          </a:p>
-        </p:txBody>
-      </p:sp>
-      <p:sp>
-        <p:nvSpPr>
-          <p:cNvPr id="3" name="Título 2"/>
-          <p:cNvSpPr>
-            <a:spLocks noGrp="1"/>
-          </p:cNvSpPr>
-          <p:nvPr>
-            <p:ph type="title"/>
-          </p:nvPr>
-        </p:nvSpPr>
-        <p:spPr/>
-        <p:txBody>
-          <a:bodyPr/>
-          <a:lstStyle/>
-          <a:p>
-            <a:r>
-              <a:rPr lang="pt-BR" dirty="0"/>
-              <a:t>Introdução</a:t>
-            </a:r>
-          </a:p>
-        </p:txBody>
-      </p:sp>
+              </a14:hiddenFill>
+            </a:ext>
+          </a:extLst>
+        </p:spPr>
+      </p:pic>
       <p:pic>
         <p:nvPicPr>
           <p:cNvPr id="4" name="Galaga.avi">
@@ -7023,20 +7958,109 @@
           </p:nvPr>
         </p:nvPicPr>
         <p:blipFill rotWithShape="1">
-          <a:blip r:embed="rId4"/>
+          <a:blip r:embed="rId5"/>
           <a:srcRect t="9584" b="9584"/>
           <a:stretch/>
         </p:blipFill>
         <p:spPr>
           <a:xfrm>
-            <a:off x="3555004" y="2589261"/>
+            <a:off x="1945182" y="3023408"/>
             <a:ext cx="3909148" cy="2279899"/>
           </a:xfrm>
           <a:prstGeom prst="rect">
             <a:avLst/>
           </a:prstGeom>
+          <a:ln>
+            <a:noFill/>
+          </a:ln>
         </p:spPr>
       </p:pic>
+      <p:sp>
+        <p:nvSpPr>
+          <p:cNvPr id="3" name="Título 2"/>
+          <p:cNvSpPr>
+            <a:spLocks noGrp="1"/>
+          </p:cNvSpPr>
+          <p:nvPr>
+            <p:ph type="title"/>
+          </p:nvPr>
+        </p:nvSpPr>
+        <p:spPr/>
+        <p:txBody>
+          <a:bodyPr/>
+          <a:lstStyle/>
+          <a:p>
+            <a:r>
+              <a:rPr lang="pt-BR" dirty="0"/>
+              <a:t>Introdução</a:t>
+            </a:r>
+          </a:p>
+        </p:txBody>
+      </p:sp>
+      <p:sp>
+        <p:nvSpPr>
+          <p:cNvPr id="6" name="CaixaDeTexto 5">
+            <a:extLst>
+              <a:ext uri="{FF2B5EF4-FFF2-40B4-BE49-F238E27FC236}">
+                <a16:creationId xmlns:a16="http://schemas.microsoft.com/office/drawing/2014/main" id="{18DD7416-0992-458A-8825-B146AEF2B80F}"/>
+              </a:ext>
+            </a:extLst>
+          </p:cNvPr>
+          <p:cNvSpPr txBox="1"/>
+          <p:nvPr/>
+        </p:nvSpPr>
+        <p:spPr>
+          <a:xfrm>
+            <a:off x="6721110" y="3356992"/>
+            <a:ext cx="3911394" cy="1368152"/>
+          </a:xfrm>
+          <a:prstGeom prst="rect">
+            <a:avLst/>
+          </a:prstGeom>
+          <a:noFill/>
+        </p:spPr>
+        <p:txBody>
+          <a:bodyPr wrap="square">
+            <a:spAutoFit/>
+          </a:bodyPr>
+          <a:lstStyle/>
+          <a:p>
+            <a:pPr algn="ctr"/>
+            <a:r>
+              <a:rPr lang="pt-BR" sz="2000" dirty="0">
+                <a:solidFill>
+                  <a:schemeClr val="tx2">
+                    <a:lumMod val="60000"/>
+                    <a:lumOff val="40000"/>
+                  </a:schemeClr>
+                </a:solidFill>
+              </a:rPr>
+              <a:t>Uma forma de implementar esta movimentação é através da </a:t>
+            </a:r>
+            <a:r>
+              <a:rPr lang="pt-BR" sz="2000" dirty="0">
+                <a:solidFill>
+                  <a:schemeClr val="accent1">
+                    <a:lumMod val="75000"/>
+                  </a:schemeClr>
+                </a:solidFill>
+              </a:rPr>
+              <a:t>interpretação de instruções</a:t>
+            </a:r>
+            <a:r>
+              <a:rPr lang="pt-BR" sz="2000" dirty="0">
+                <a:solidFill>
+                  <a:schemeClr val="tx2">
+                    <a:lumMod val="60000"/>
+                    <a:lumOff val="40000"/>
+                  </a:schemeClr>
+                </a:solidFill>
+              </a:rPr>
+              <a:t> em scripts</a:t>
+            </a:r>
+          </a:p>
+        </p:txBody>
+      </p:sp>
     </p:spTree>
     <p:extLst>
       <p:ext uri="{BB962C8B-B14F-4D97-AF65-F5344CB8AC3E}">
@@ -7047,6 +8071,9 @@
   <p:clrMapOvr>
     <a:masterClrMapping/>
   </p:clrMapOvr>
+  <p:transition spd="slow">
+    <p:wipe/>
+  </p:transition>
   <p:timing>
     <p:tnLst>
       <p:par>
@@ -7059,9 +8086,6 @@
                     <p:cTn id="3" fill="hold">
                       <p:stCondLst>
                         <p:cond delay="indefinite"/>
-                        <p:cond evt="onBegin" delay="0">
-                          <p:tn val="2"/>
-                        </p:cond>
                       </p:stCondLst>
                       <p:childTnLst>
                         <p:par>
@@ -7071,7 +8095,7 @@
                             </p:stCondLst>
                             <p:childTnLst>
                               <p:par>
-                                <p:cTn id="5" presetID="1" presetClass="mediacall" presetSubtype="0" fill="hold" nodeType="afterEffect">
+                                <p:cTn id="5" presetID="1" presetClass="mediacall" presetSubtype="0" fill="hold" nodeType="clickEffect">
                                   <p:stCondLst>
                                     <p:cond delay="0"/>
                                   </p:stCondLst>
@@ -7111,7 +8135,7 @@
               </p:nextCondLst>
             </p:seq>
             <p:video>
-              <p:cMediaNode vol="80000">
+              <p:cMediaNode vol="80000" showWhenStopped="0">
                 <p:cTn id="7" fill="hold" display="0">
                   <p:stCondLst>
                     <p:cond delay="indefinite"/>
@@ -7207,6 +8231,56 @@
       </p:grpSpPr>
       <p:sp>
         <p:nvSpPr>
+          <p:cNvPr id="12" name="Retângulo: Cantos Arredondados 11">
+            <a:extLst>
+              <a:ext uri="{FF2B5EF4-FFF2-40B4-BE49-F238E27FC236}">
+                <a16:creationId xmlns:a16="http://schemas.microsoft.com/office/drawing/2014/main" id="{F3F0EE3A-2930-4BB2-9928-4A66B71B5837}"/>
+              </a:ext>
+            </a:extLst>
+          </p:cNvPr>
+          <p:cNvSpPr/>
+          <p:nvPr/>
+        </p:nvSpPr>
+        <p:spPr>
+          <a:xfrm>
+            <a:off x="6168008" y="3425430"/>
+            <a:ext cx="2509188" cy="294168"/>
+          </a:xfrm>
+          <a:prstGeom prst="roundRect">
+            <a:avLst/>
+          </a:prstGeom>
+          <a:solidFill>
+            <a:schemeClr val="accent1">
+              <a:lumMod val="75000"/>
+              <a:alpha val="50000"/>
+            </a:schemeClr>
+          </a:solidFill>
+        </p:spPr>
+        <p:style>
+          <a:lnRef idx="1">
+            <a:schemeClr val="accent1"/>
+          </a:lnRef>
+          <a:fillRef idx="3">
+            <a:schemeClr val="accent1"/>
+          </a:fillRef>
+          <a:effectRef idx="2">
+            <a:schemeClr val="accent1"/>
+          </a:effectRef>
+          <a:fontRef idx="minor">
+            <a:schemeClr val="lt1"/>
+          </a:fontRef>
+        </p:style>
+        <p:txBody>
+          <a:bodyPr rtlCol="0" anchor="ctr"/>
+          <a:lstStyle/>
+          <a:p>
+            <a:pPr algn="ctr"/>
+            <a:endParaRPr lang="pt-BR"/>
+          </a:p>
+        </p:txBody>
+      </p:sp>
+      <p:sp>
+        <p:nvSpPr>
           <p:cNvPr id="2" name="Espaço Reservado para Conteúdo 1"/>
           <p:cNvSpPr>
             <a:spLocks noGrp="1"/>
@@ -7222,7 +8296,24 @@
           <a:p>
             <a:r>
               <a:rPr lang="pt-BR" dirty="0"/>
-              <a:t>Cada padrão pode ser armazenado como uma sequência de instruções, direções e durações</a:t>
+              <a:t>Cada padrão pode ser armazenado como uma </a:t>
+            </a:r>
+            <a:br>
+              <a:rPr lang="pt-BR" dirty="0"/>
+            </a:br>
+            <a:r>
+              <a:rPr lang="pt-BR" dirty="0"/>
+              <a:t>sequência de </a:t>
+            </a:r>
+            <a:r>
+              <a:rPr lang="pt-BR" dirty="0">
+                <a:solidFill>
+                  <a:schemeClr val="accent1">
+                    <a:lumMod val="75000"/>
+                  </a:schemeClr>
+                </a:solidFill>
+              </a:rPr>
+              <a:t>instruções, direções e durações</a:t>
             </a:r>
           </a:p>
         </p:txBody>
@@ -7258,30 +8349,30 @@
           <p:nvPr>
             <p:extLst>
               <p:ext uri="{D42A27DB-BD31-4B8C-83A1-F6EECF244321}">
-                <p14:modId xmlns:p14="http://schemas.microsoft.com/office/powerpoint/2010/main" val="1986933516"/>
+                <p14:modId xmlns:p14="http://schemas.microsoft.com/office/powerpoint/2010/main" val="1746356380"/>
               </p:ext>
             </p:extLst>
           </p:nvPr>
         </p:nvGraphicFramePr>
         <p:xfrm>
-          <a:off x="1461326" y="3425430"/>
-          <a:ext cx="2619812" cy="1854200"/>
+          <a:off x="1271464" y="2924944"/>
+          <a:ext cx="2809674" cy="2354685"/>
         </p:xfrm>
         <a:graphic>
           <a:graphicData uri="http://schemas.openxmlformats.org/drawingml/2006/table">
             <a:tbl>
               <a:tblPr firstRow="1" bandRow="1">
-                <a:tableStyleId>{5C22544A-7EE6-4342-B048-85BDC9FD1C3A}</a:tableStyleId>
+                <a:tableStyleId>{3B4B98B0-60AC-42C2-AFA5-B58CD77FA1E5}</a:tableStyleId>
               </a:tblPr>
               <a:tblGrid>
-                <a:gridCol w="1479559">
+                <a:gridCol w="1586785">
                   <a:extLst>
                     <a:ext uri="{9D8B030D-6E8A-4147-A177-3AD203B41FA5}">
                       <a16:colId xmlns:a16="http://schemas.microsoft.com/office/drawing/2014/main" val="20000"/>
                     </a:ext>
                   </a:extLst>
                 </a:gridCol>
-                <a:gridCol w="1140253">
+                <a:gridCol w="1222889">
                   <a:extLst>
                     <a:ext uri="{9D8B030D-6E8A-4147-A177-3AD203B41FA5}">
                       <a16:colId xmlns:a16="http://schemas.microsoft.com/office/drawing/2014/main" val="20001"/>
@@ -7289,19 +8380,26 @@
                   </a:extLst>
                 </a:gridCol>
               </a:tblGrid>
-              <a:tr h="370840">
+              <a:tr h="470937">
                 <a:tc>
                   <a:txBody>
                     <a:bodyPr/>
                     <a:lstStyle/>
                     <a:p>
+                      <a:pPr algn="ctr"/>
                       <a:r>
-                        <a:rPr lang="pt-BR" dirty="0"/>
+                        <a:rPr lang="pt-BR" dirty="0">
+                          <a:solidFill>
+                            <a:schemeClr val="bg1">
+                              <a:lumMod val="75000"/>
+                            </a:schemeClr>
+                          </a:solidFill>
+                        </a:rPr>
                         <a:t>Instrução</a:t>
                       </a:r>
                     </a:p>
                   </a:txBody>
-                  <a:tcPr/>
+                  <a:tcPr anchor="ctr"/>
                 </a:tc>
                 <a:tc>
                   <a:txBody>
@@ -7310,12 +8408,18 @@
                     <a:p>
                       <a:pPr algn="ctr"/>
                       <a:r>
-                        <a:rPr lang="pt-BR" dirty="0"/>
+                        <a:rPr lang="pt-BR" dirty="0">
+                          <a:solidFill>
+                            <a:schemeClr val="bg1">
+                              <a:lumMod val="75000"/>
+                            </a:schemeClr>
+                          </a:solidFill>
+                        </a:rPr>
                         <a:t>Valor</a:t>
                       </a:r>
                     </a:p>
                   </a:txBody>
-                  <a:tcPr/>
+                  <a:tcPr anchor="ctr"/>
                 </a:tc>
                 <a:extLst>
                   <a:ext uri="{0D108BD9-81ED-4DB2-BD59-A6C34878D82A}">
@@ -7323,19 +8427,27 @@
                   </a:ext>
                 </a:extLst>
               </a:tr>
-              <a:tr h="370840">
+              <a:tr h="470937">
                 <a:tc>
                   <a:txBody>
                     <a:bodyPr/>
                     <a:lstStyle/>
                     <a:p>
+                      <a:pPr algn="ctr"/>
                       <a:r>
-                        <a:rPr lang="pt-BR" dirty="0"/>
+                        <a:rPr lang="pt-BR" sz="1600" dirty="0">
+                          <a:solidFill>
+                            <a:schemeClr val="bg1">
+                              <a:lumMod val="75000"/>
+                            </a:schemeClr>
+                          </a:solidFill>
+                          <a:latin typeface="Consolas" panose="020B0609020204030204" pitchFamily="49" charset="0"/>
+                        </a:rPr>
                         <a:t>MOVE</a:t>
                       </a:r>
                     </a:p>
                   </a:txBody>
-                  <a:tcPr/>
+                  <a:tcPr anchor="ctr"/>
                 </a:tc>
                 <a:tc>
                   <a:txBody>
@@ -7344,12 +8456,19 @@
                     <a:p>
                       <a:pPr algn="ctr"/>
                       <a:r>
-                        <a:rPr lang="pt-BR" dirty="0"/>
+                        <a:rPr lang="pt-BR" sz="1600" dirty="0">
+                          <a:solidFill>
+                            <a:schemeClr val="bg1">
+                              <a:lumMod val="75000"/>
+                            </a:schemeClr>
+                          </a:solidFill>
+                          <a:latin typeface="Consolas" panose="020B0609020204030204" pitchFamily="49" charset="0"/>
+                        </a:rPr>
                         <a:t>1</a:t>
                       </a:r>
                     </a:p>
                   </a:txBody>
-                  <a:tcPr/>
+                  <a:tcPr anchor="ctr"/>
                 </a:tc>
                 <a:extLst>
                   <a:ext uri="{0D108BD9-81ED-4DB2-BD59-A6C34878D82A}">
@@ -7357,19 +8476,27 @@
                   </a:ext>
                 </a:extLst>
               </a:tr>
-              <a:tr h="370840">
+              <a:tr h="470937">
                 <a:tc>
                   <a:txBody>
                     <a:bodyPr/>
                     <a:lstStyle/>
                     <a:p>
+                      <a:pPr algn="ctr"/>
                       <a:r>
-                        <a:rPr lang="pt-BR" dirty="0"/>
+                        <a:rPr lang="pt-BR" sz="1600" dirty="0">
+                          <a:solidFill>
+                            <a:schemeClr val="bg1">
+                              <a:lumMod val="75000"/>
+                            </a:schemeClr>
+                          </a:solidFill>
+                          <a:latin typeface="Consolas" panose="020B0609020204030204" pitchFamily="49" charset="0"/>
+                        </a:rPr>
                         <a:t>STOP</a:t>
                       </a:r>
                     </a:p>
                   </a:txBody>
-                  <a:tcPr/>
+                  <a:tcPr anchor="ctr"/>
                 </a:tc>
                 <a:tc>
                   <a:txBody>
@@ -7378,12 +8505,19 @@
                     <a:p>
                       <a:pPr algn="ctr"/>
                       <a:r>
-                        <a:rPr lang="pt-BR" dirty="0"/>
+                        <a:rPr lang="pt-BR" sz="1600" dirty="0">
+                          <a:solidFill>
+                            <a:schemeClr val="bg1">
+                              <a:lumMod val="75000"/>
+                            </a:schemeClr>
+                          </a:solidFill>
+                          <a:latin typeface="Consolas" panose="020B0609020204030204" pitchFamily="49" charset="0"/>
+                        </a:rPr>
                         <a:t>2</a:t>
                       </a:r>
                     </a:p>
                   </a:txBody>
-                  <a:tcPr/>
+                  <a:tcPr anchor="ctr"/>
                 </a:tc>
                 <a:extLst>
                   <a:ext uri="{0D108BD9-81ED-4DB2-BD59-A6C34878D82A}">
@@ -7391,19 +8525,27 @@
                   </a:ext>
                 </a:extLst>
               </a:tr>
-              <a:tr h="370840">
+              <a:tr h="470937">
                 <a:tc>
                   <a:txBody>
                     <a:bodyPr/>
                     <a:lstStyle/>
                     <a:p>
+                      <a:pPr algn="ctr"/>
                       <a:r>
-                        <a:rPr lang="pt-BR" dirty="0"/>
+                        <a:rPr lang="pt-BR" sz="1600" dirty="0">
+                          <a:solidFill>
+                            <a:schemeClr val="bg1">
+                              <a:lumMod val="75000"/>
+                            </a:schemeClr>
+                          </a:solidFill>
+                          <a:latin typeface="Consolas" panose="020B0609020204030204" pitchFamily="49" charset="0"/>
+                        </a:rPr>
                         <a:t>RANDOM</a:t>
                       </a:r>
                     </a:p>
                   </a:txBody>
-                  <a:tcPr/>
+                  <a:tcPr anchor="ctr"/>
                 </a:tc>
                 <a:tc>
                   <a:txBody>
@@ -7412,12 +8554,19 @@
                     <a:p>
                       <a:pPr algn="ctr"/>
                       <a:r>
-                        <a:rPr lang="pt-BR" dirty="0"/>
+                        <a:rPr lang="pt-BR" sz="1600" dirty="0">
+                          <a:solidFill>
+                            <a:schemeClr val="bg1">
+                              <a:lumMod val="75000"/>
+                            </a:schemeClr>
+                          </a:solidFill>
+                          <a:latin typeface="Consolas" panose="020B0609020204030204" pitchFamily="49" charset="0"/>
+                        </a:rPr>
                         <a:t>3</a:t>
                       </a:r>
                     </a:p>
                   </a:txBody>
-                  <a:tcPr/>
+                  <a:tcPr anchor="ctr"/>
                 </a:tc>
                 <a:extLst>
                   <a:ext uri="{0D108BD9-81ED-4DB2-BD59-A6C34878D82A}">
@@ -7425,19 +8574,27 @@
                   </a:ext>
                 </a:extLst>
               </a:tr>
-              <a:tr h="370840">
+              <a:tr h="470937">
                 <a:tc>
                   <a:txBody>
                     <a:bodyPr/>
                     <a:lstStyle/>
                     <a:p>
+                      <a:pPr algn="ctr"/>
                       <a:r>
-                        <a:rPr lang="pt-BR" dirty="0"/>
+                        <a:rPr lang="pt-BR" sz="1600" dirty="0">
+                          <a:solidFill>
+                            <a:schemeClr val="bg1">
+                              <a:lumMod val="75000"/>
+                            </a:schemeClr>
+                          </a:solidFill>
+                          <a:latin typeface="Consolas" panose="020B0609020204030204" pitchFamily="49" charset="0"/>
+                        </a:rPr>
                         <a:t>FIRE</a:t>
                       </a:r>
                     </a:p>
                   </a:txBody>
-                  <a:tcPr/>
+                  <a:tcPr anchor="ctr"/>
                 </a:tc>
                 <a:tc>
                   <a:txBody>
@@ -7446,12 +8603,19 @@
                     <a:p>
                       <a:pPr algn="ctr"/>
                       <a:r>
-                        <a:rPr lang="pt-BR" dirty="0"/>
+                        <a:rPr lang="pt-BR" sz="1600" dirty="0">
+                          <a:solidFill>
+                            <a:schemeClr val="bg1">
+                              <a:lumMod val="75000"/>
+                            </a:schemeClr>
+                          </a:solidFill>
+                          <a:latin typeface="Consolas" panose="020B0609020204030204" pitchFamily="49" charset="0"/>
+                        </a:rPr>
                         <a:t>4</a:t>
                       </a:r>
                     </a:p>
                   </a:txBody>
-                  <a:tcPr/>
+                  <a:tcPr anchor="ctr"/>
                 </a:tc>
                 <a:extLst>
                   <a:ext uri="{0D108BD9-81ED-4DB2-BD59-A6C34878D82A}">
@@ -7471,7 +8635,7 @@
         </p:nvSpPr>
         <p:spPr>
           <a:xfrm>
-            <a:off x="6240016" y="3425430"/>
+            <a:off x="6216577" y="3389202"/>
             <a:ext cx="2650420" cy="2308324"/>
           </a:xfrm>
           <a:prstGeom prst="rect">
@@ -7485,6 +8649,9 @@
           </a:bodyPr>
           <a:lstStyle/>
           <a:p>
+            <a:pPr marL="342900" indent="-342900">
+              <a:buAutoNum type="arabicPlain"/>
+            </a:pPr>
             <a:r>
               <a:rPr lang="pt-BR" dirty="0">
                 <a:solidFill>
@@ -7492,13 +8659,14 @@
                     <a:lumMod val="75000"/>
                   </a:schemeClr>
                 </a:solidFill>
+                <a:latin typeface="Consolas" panose="020B0609020204030204" pitchFamily="49" charset="0"/>
               </a:rPr>
-              <a:t>1           90	0.5</a:t>
+              <a:t>     90     0.5</a:t>
             </a:r>
           </a:p>
           <a:p>
             <a:pPr marL="342900" indent="-342900">
-              <a:buAutoNum type="arabicPlain" startAt="2"/>
+              <a:buAutoNum type="arabicPlain"/>
             </a:pPr>
             <a:r>
               <a:rPr lang="pt-BR" dirty="0">
@@ -7507,8 +8675,9 @@
                     <a:lumMod val="75000"/>
                   </a:schemeClr>
                 </a:solidFill>
+                <a:latin typeface="Consolas" panose="020B0609020204030204" pitchFamily="49" charset="0"/>
               </a:rPr>
-              <a:t>        0          1.0</a:t>
+              <a:t>      0     1.0</a:t>
             </a:r>
           </a:p>
           <a:p>
@@ -7519,8 +8688,9 @@
                     <a:lumMod val="75000"/>
                   </a:schemeClr>
                 </a:solidFill>
+                <a:latin typeface="Consolas" panose="020B0609020204030204" pitchFamily="49" charset="0"/>
               </a:rPr>
-              <a:t>1           48	0.7</a:t>
+              <a:t>1       45	0.7</a:t>
             </a:r>
             <a:br>
               <a:rPr lang="pt-BR" dirty="0">
@@ -7529,6 +8699,7 @@
                     <a:lumMod val="75000"/>
                   </a:schemeClr>
                 </a:solidFill>
+                <a:latin typeface="Consolas" panose="020B0609020204030204" pitchFamily="49" charset="0"/>
               </a:rPr>
             </a:br>
             <a:r>
@@ -7538,6 +8709,7 @@
                     <a:lumMod val="75000"/>
                   </a:schemeClr>
                 </a:solidFill>
+                <a:latin typeface="Consolas" panose="020B0609020204030204" pitchFamily="49" charset="0"/>
               </a:rPr>
               <a:t>4	200	0.2</a:t>
             </a:r>
@@ -7548,6 +8720,7 @@
                     <a:lumMod val="75000"/>
                   </a:schemeClr>
                 </a:solidFill>
+                <a:latin typeface="Consolas" panose="020B0609020204030204" pitchFamily="49" charset="0"/>
               </a:rPr>
             </a:br>
             <a:r>
@@ -7557,6 +8730,7 @@
                     <a:lumMod val="75000"/>
                   </a:schemeClr>
                 </a:solidFill>
+                <a:latin typeface="Consolas" panose="020B0609020204030204" pitchFamily="49" charset="0"/>
               </a:rPr>
               <a:t>4	180	0.2</a:t>
             </a:r>
@@ -7569,6 +8743,7 @@
                     <a:lumMod val="75000"/>
                   </a:schemeClr>
                 </a:solidFill>
+                <a:latin typeface="Consolas" panose="020B0609020204030204" pitchFamily="49" charset="0"/>
               </a:rPr>
               <a:t>4	160	0.2</a:t>
             </a:r>
@@ -7581,8 +8756,9 @@
                     <a:lumMod val="75000"/>
                   </a:schemeClr>
                 </a:solidFill>
+                <a:latin typeface="Consolas" panose="020B0609020204030204" pitchFamily="49" charset="0"/>
               </a:rPr>
-              <a:t>4	140	0.2</a:t>
+              <a:t>3	  0	0.5</a:t>
             </a:r>
           </a:p>
           <a:p>
@@ -7595,6 +8771,7 @@
                   <a:lumMod val="75000"/>
                 </a:schemeClr>
               </a:solidFill>
+              <a:latin typeface="Consolas" panose="020B0609020204030204" pitchFamily="49" charset="0"/>
             </a:endParaRPr>
           </a:p>
         </p:txBody>
@@ -7607,8 +8784,8 @@
         </p:nvSpPr>
         <p:spPr>
           <a:xfrm rot="16200000">
-            <a:off x="6294022" y="2988237"/>
-            <a:ext cx="180021" cy="576063"/>
+            <a:off x="6371843" y="3020302"/>
+            <a:ext cx="98728" cy="430635"/>
           </a:xfrm>
           <a:prstGeom prst="rightBrace">
             <a:avLst/>
@@ -7645,8 +8822,8 @@
         </p:nvSpPr>
         <p:spPr>
           <a:xfrm rot="16200000">
-            <a:off x="7375997" y="2988236"/>
-            <a:ext cx="180021" cy="576063"/>
+            <a:off x="7354346" y="3011819"/>
+            <a:ext cx="124434" cy="430636"/>
           </a:xfrm>
           <a:prstGeom prst="rightBrace">
             <a:avLst/>
@@ -7677,51 +8854,13 @@
       </p:sp>
       <p:sp>
         <p:nvSpPr>
-          <p:cNvPr id="8" name="Chave direita 7"/>
-          <p:cNvSpPr/>
-          <p:nvPr/>
-        </p:nvSpPr>
-        <p:spPr>
-          <a:xfrm rot="16200000">
-            <a:off x="8299154" y="2972224"/>
-            <a:ext cx="180021" cy="576063"/>
-          </a:xfrm>
-          <a:prstGeom prst="rightBrace">
-            <a:avLst/>
-          </a:prstGeom>
-        </p:spPr>
-        <p:style>
-          <a:lnRef idx="1">
-            <a:schemeClr val="accent1"/>
-          </a:lnRef>
-          <a:fillRef idx="0">
-            <a:schemeClr val="accent1"/>
-          </a:fillRef>
-          <a:effectRef idx="0">
-            <a:schemeClr val="accent1"/>
-          </a:effectRef>
-          <a:fontRef idx="minor">
-            <a:schemeClr val="tx1"/>
-          </a:fontRef>
-        </p:style>
-        <p:txBody>
-          <a:bodyPr rtlCol="0" anchor="ctr"/>
-          <a:lstStyle/>
-          <a:p>
-            <a:pPr algn="ctr"/>
-            <a:endParaRPr lang="pt-BR"/>
-          </a:p>
-        </p:txBody>
-      </p:sp>
-      <p:sp>
-        <p:nvSpPr>
           <p:cNvPr id="9" name="CaixaDeTexto 8"/>
           <p:cNvSpPr txBox="1"/>
           <p:nvPr/>
         </p:nvSpPr>
         <p:spPr>
           <a:xfrm>
-            <a:off x="5414715" y="2800913"/>
+            <a:off x="5511446" y="2800913"/>
             <a:ext cx="1221809" cy="369332"/>
           </a:xfrm>
           <a:prstGeom prst="rect">
@@ -7911,6 +9050,90 @@
           </a:p>
         </p:txBody>
       </p:sp>
+      <p:cxnSp>
+        <p:nvCxnSpPr>
+          <p:cNvPr id="14" name="Conector de Seta Reta 13">
+            <a:extLst>
+              <a:ext uri="{FF2B5EF4-FFF2-40B4-BE49-F238E27FC236}">
+                <a16:creationId xmlns:a16="http://schemas.microsoft.com/office/drawing/2014/main" id="{0C602E91-C9F9-4F3C-8E1B-8236CA89DC45}"/>
+              </a:ext>
+            </a:extLst>
+          </p:cNvPr>
+          <p:cNvCxnSpPr/>
+          <p:nvPr/>
+        </p:nvCxnSpPr>
+        <p:spPr>
+          <a:xfrm>
+            <a:off x="6045661" y="3429000"/>
+            <a:ext cx="0" cy="288032"/>
+          </a:xfrm>
+          <a:prstGeom prst="straightConnector1">
+            <a:avLst/>
+          </a:prstGeom>
+          <a:ln w="19050">
+            <a:headEnd type="none" w="lg" len="med"/>
+            <a:tailEnd type="triangle" w="lg" len="med"/>
+          </a:ln>
+        </p:spPr>
+        <p:style>
+          <a:lnRef idx="1">
+            <a:schemeClr val="accent1"/>
+          </a:lnRef>
+          <a:fillRef idx="0">
+            <a:schemeClr val="accent1"/>
+          </a:fillRef>
+          <a:effectRef idx="0">
+            <a:schemeClr val="accent1"/>
+          </a:effectRef>
+          <a:fontRef idx="minor">
+            <a:schemeClr val="tx1"/>
+          </a:fontRef>
+        </p:style>
+      </p:cxnSp>
+      <p:sp>
+        <p:nvSpPr>
+          <p:cNvPr id="19" name="Chave direita 6">
+            <a:extLst>
+              <a:ext uri="{FF2B5EF4-FFF2-40B4-BE49-F238E27FC236}">
+                <a16:creationId xmlns:a16="http://schemas.microsoft.com/office/drawing/2014/main" id="{99AC7133-F1F8-4DC7-8D39-814B9103B914}"/>
+              </a:ext>
+            </a:extLst>
+          </p:cNvPr>
+          <p:cNvSpPr/>
+          <p:nvPr/>
+        </p:nvSpPr>
+        <p:spPr>
+          <a:xfrm rot="16200000">
+            <a:off x="8261994" y="3018618"/>
+            <a:ext cx="124434" cy="430636"/>
+          </a:xfrm>
+          <a:prstGeom prst="rightBrace">
+            <a:avLst/>
+          </a:prstGeom>
+        </p:spPr>
+        <p:style>
+          <a:lnRef idx="1">
+            <a:schemeClr val="accent1"/>
+          </a:lnRef>
+          <a:fillRef idx="0">
+            <a:schemeClr val="accent1"/>
+          </a:fillRef>
+          <a:effectRef idx="0">
+            <a:schemeClr val="accent1"/>
+          </a:effectRef>
+          <a:fontRef idx="minor">
+            <a:schemeClr val="tx1"/>
+          </a:fontRef>
+        </p:style>
+        <p:txBody>
+          <a:bodyPr rtlCol="0" anchor="ctr"/>
+          <a:lstStyle/>
+          <a:p>
+            <a:pPr algn="ctr"/>
+            <a:endParaRPr lang="pt-BR"/>
+          </a:p>
+        </p:txBody>
+      </p:sp>
     </p:spTree>
     <p:extLst>
       <p:ext uri="{BB962C8B-B14F-4D97-AF65-F5344CB8AC3E}">
@@ -7921,6 +9144,9 @@
   <p:clrMapOvr>
     <a:masterClrMapping/>
   </p:clrMapOvr>
+  <p:transition spd="slow">
+    <p:wipe/>
+  </p:transition>
 </p:sld>
 </file>
 
@@ -7960,7 +9186,7 @@
           <a:p>
             <a:r>
               <a:rPr lang="pt-BR" dirty="0"/>
-              <a:t>Generalizando, cada padrão pode ser descrito por:</a:t>
+              <a:t>Generalizando, os padrões são conjuntos de:</a:t>
             </a:r>
             <a:br>
               <a:rPr lang="pt-BR" dirty="0"/>
@@ -7968,15 +9194,23 @@
             <a:endParaRPr lang="pt-BR" dirty="0"/>
           </a:p>
           <a:p>
-            <a:pPr marL="109728" indent="0">
-              <a:buNone/>
+            <a:endParaRPr lang="pt-BR" dirty="0"/>
+          </a:p>
+          <a:p>
+            <a:pPr lvl="2">
+              <a:spcAft>
+                <a:spcPts val="600"/>
+              </a:spcAft>
             </a:pPr>
-            <a:endParaRPr lang="pt-BR" dirty="0"/>
-          </a:p>
-          <a:p>
-            <a:pPr lvl="2"/>
-            <a:r>
-              <a:rPr lang="pt-BR" cap="all" dirty="0"/>
+            <a:r>
+              <a:rPr lang="pt-BR" cap="all" dirty="0">
+                <a:solidFill>
+                  <a:schemeClr val="accent2">
+                    <a:lumMod val="60000"/>
+                    <a:lumOff val="40000"/>
+                  </a:schemeClr>
+                </a:solidFill>
+              </a:rPr>
               <a:t>Instrução</a:t>
             </a:r>
             <a:r>
@@ -7987,12 +9221,26 @@
           <a:p>
             <a:pPr lvl="2"/>
             <a:r>
-              <a:rPr lang="pt-BR" cap="all" dirty="0"/>
+              <a:rPr lang="pt-BR" cap="all" dirty="0">
+                <a:solidFill>
+                  <a:schemeClr val="accent2">
+                    <a:lumMod val="60000"/>
+                    <a:lumOff val="40000"/>
+                  </a:schemeClr>
+                </a:solidFill>
+              </a:rPr>
               <a:t>Operandos</a:t>
             </a:r>
             <a:r>
               <a:rPr lang="pt-BR" dirty="0"/>
-              <a:t>: um ou mais parâmetros que ajudam a definir o comportamento da instrução</a:t>
+              <a:t>: um ou mais parâmetros que ajudam </a:t>
+            </a:r>
+            <a:br>
+              <a:rPr lang="pt-BR" dirty="0"/>
+            </a:br>
+            <a:r>
+              <a:rPr lang="pt-BR" dirty="0"/>
+              <a:t>a definir o comportamento da instrução</a:t>
             </a:r>
           </a:p>
           <a:p>
@@ -8016,7 +9264,14 @@
             </a:r>
             <a:r>
               <a:rPr lang="pt-BR" dirty="0"/>
-              <a:t> capaz de ler uma sequência de instruções e controlar o objeto</a:t>
+              <a:t> capaz </a:t>
+            </a:r>
+            <a:br>
+              <a:rPr lang="pt-BR" dirty="0"/>
+            </a:br>
+            <a:r>
+              <a:rPr lang="pt-BR" dirty="0"/>
+              <a:t>de ler uma sequência de instruções e controlar o objeto</a:t>
             </a:r>
           </a:p>
         </p:txBody>
@@ -8051,8 +9306,8 @@
         </p:nvSpPr>
         <p:spPr>
           <a:xfrm>
-            <a:off x="1055440" y="2132856"/>
-            <a:ext cx="2954655" cy="369332"/>
+            <a:off x="1271464" y="2132856"/>
+            <a:ext cx="3148619" cy="369332"/>
           </a:xfrm>
           <a:prstGeom prst="rect">
             <a:avLst/>
@@ -8066,6 +9321,14 @@
           <a:lstStyle/>
           <a:p>
             <a:r>
+              <a:rPr lang="pt-BR" sz="1800" dirty="0">
+                <a:solidFill>
+                  <a:schemeClr val="bg1"/>
+                </a:solidFill>
+              </a:rPr>
+              <a:t>» </a:t>
+            </a:r>
+            <a:r>
               <a:rPr lang="pt-BR" cap="all" dirty="0">
                 <a:solidFill>
                   <a:schemeClr val="bg1">
@@ -8088,6 +9351,9 @@
   <p:clrMapOvr>
     <a:masterClrMapping/>
   </p:clrMapOvr>
+  <p:transition spd="slow">
+    <p:wipe/>
+  </p:transition>
 </p:sld>
 </file>
 
@@ -8123,6 +9389,11 @@
           <a:bodyPr/>
           <a:lstStyle/>
           <a:p>
+            <a:pPr>
+              <a:spcAft>
+                <a:spcPts val="1200"/>
+              </a:spcAft>
+            </a:pPr>
             <a:r>
               <a:rPr lang="pt-BR" dirty="0"/>
               <a:t>Padrões e Scripts são </a:t>
@@ -8135,25 +9406,30 @@
                   </a:schemeClr>
                 </a:solidFill>
               </a:rPr>
-              <a:t>ferramentas poderosas</a:t>
-            </a:r>
+              <a:t>poderosos</a:t>
+            </a:r>
+            <a:endParaRPr lang="pt-BR" dirty="0"/>
+          </a:p>
+          <a:p>
+            <a:pPr lvl="1">
+              <a:spcAft>
+                <a:spcPts val="600"/>
+              </a:spcAft>
+            </a:pPr>
             <a:r>
               <a:rPr lang="pt-BR" dirty="0"/>
-              <a:t>:</a:t>
-            </a:r>
-          </a:p>
-          <a:p>
-            <a:pPr lvl="1"/>
+              <a:t>Podem ser usados para gravar centenas de movimentos</a:t>
+            </a:r>
+          </a:p>
+          <a:p>
+            <a:pPr lvl="2">
+              <a:spcAft>
+                <a:spcPts val="600"/>
+              </a:spcAft>
+            </a:pPr>
             <a:r>
               <a:rPr lang="pt-BR" dirty="0"/>
-              <a:t>Podem ser usadas para gravar centenas de movimentos e padrões</a:t>
-            </a:r>
-          </a:p>
-          <a:p>
-            <a:pPr lvl="2"/>
-            <a:r>
-              <a:rPr lang="pt-BR" dirty="0"/>
-              <a:t>Estes padrões podem ser </a:t>
+              <a:t>Eles são </a:t>
             </a:r>
             <a:r>
               <a:rPr lang="pt-BR" dirty="0">
@@ -8163,18 +9439,25 @@
                   </a:schemeClr>
                 </a:solidFill>
               </a:rPr>
-              <a:t>gerados com uma ferramenta</a:t>
+              <a:t>gerados com ferramentas</a:t>
             </a:r>
             <a:r>
               <a:rPr lang="pt-BR" dirty="0"/>
-              <a:t>, gravados em arquivo e depois reproduzidos dentro do jogo</a:t>
+              <a:t>, gravados em </a:t>
+            </a:r>
+            <a:br>
+              <a:rPr lang="pt-BR" dirty="0"/>
+            </a:br>
+            <a:r>
+              <a:rPr lang="pt-BR" dirty="0"/>
+              <a:t>arquivos e depois reproduzidos dentro do jogo</a:t>
             </a:r>
           </a:p>
           <a:p>
             <a:pPr lvl="2"/>
             <a:r>
               <a:rPr lang="pt-BR" dirty="0"/>
-              <a:t>Permite gerar padrões de movimentação em curto espaço de tempo</a:t>
+              <a:t>Criação é feita em curto espaço de tempo</a:t>
             </a:r>
           </a:p>
           <a:p>
@@ -8182,7 +9465,11 @@
             <a:endParaRPr lang="pt-BR" dirty="0"/>
           </a:p>
           <a:p>
-            <a:pPr lvl="1"/>
+            <a:pPr lvl="1">
+              <a:spcAft>
+                <a:spcPts val="600"/>
+              </a:spcAft>
+            </a:pPr>
             <a:r>
               <a:rPr lang="pt-BR" dirty="0"/>
               <a:t>É uma técnica </a:t>
@@ -8199,7 +9486,11 @@
             </a:r>
           </a:p>
           <a:p>
-            <a:pPr lvl="2"/>
+            <a:pPr lvl="2">
+              <a:lnSpc>
+                <a:spcPts val="3000"/>
+              </a:lnSpc>
+            </a:pPr>
             <a:r>
               <a:rPr lang="pt-BR" dirty="0"/>
               <a:t>Especialmente útil em jogos de luta</a:t>
@@ -8208,32 +9499,19 @@
               <a:rPr lang="pt-BR" dirty="0"/>
             </a:br>
             <a:r>
+              <a:rPr lang="pt-BR" dirty="0">
+                <a:solidFill>
+                  <a:schemeClr val="accent4">
+                    <a:lumMod val="60000"/>
+                    <a:lumOff val="40000"/>
+                  </a:schemeClr>
+                </a:solidFill>
+              </a:rPr>
+              <a:t>Ex.:</a:t>
+            </a:r>
+            <a:r>
               <a:rPr lang="pt-BR" dirty="0"/>
-              <a:t>Ex.: Mortal </a:t>
-            </a:r>
-            <a:r>
-              <a:rPr lang="pt-BR" dirty="0" err="1"/>
-              <a:t>Kombat</a:t>
-            </a:r>
-            <a:r>
-              <a:rPr lang="pt-BR" dirty="0"/>
-              <a:t>, </a:t>
-            </a:r>
-            <a:r>
-              <a:rPr lang="pt-BR" dirty="0" err="1"/>
-              <a:t>Tekken</a:t>
-            </a:r>
-            <a:r>
-              <a:rPr lang="pt-BR" dirty="0"/>
-              <a:t>, Street </a:t>
-            </a:r>
-            <a:r>
-              <a:rPr lang="pt-BR" dirty="0" err="1"/>
-              <a:t>Fighter</a:t>
-            </a:r>
-            <a:r>
-              <a:rPr lang="pt-BR" dirty="0"/>
-              <a:t>, etc.</a:t>
+              <a:t> Mortal Kombat, Tekken, Street Fighter, etc.</a:t>
             </a:r>
           </a:p>
         </p:txBody>
@@ -8270,6 +9548,9 @@
   <p:clrMapOvr>
     <a:masterClrMapping/>
   </p:clrMapOvr>
+  <p:transition spd="slow">
+    <p:wipe/>
+  </p:transition>
 </p:sld>
 </file>
 
@@ -8317,14 +9598,21 @@
                   </a:schemeClr>
                 </a:solidFill>
               </a:rPr>
-              <a:t>extremamente determinísticos</a:t>
+              <a:t>determinísticos</a:t>
             </a:r>
           </a:p>
           <a:p>
             <a:pPr lvl="1"/>
             <a:r>
               <a:rPr lang="pt-BR" dirty="0"/>
-              <a:t>Depois que o jogador memoriza o padrão, o jogo pode ficar fácil e perder a graça</a:t>
+              <a:t>Padrões muito simples podem ser memorizados</a:t>
+            </a:r>
+          </a:p>
+          <a:p>
+            <a:pPr lvl="1"/>
+            <a:r>
+              <a:rPr lang="pt-BR" dirty="0"/>
+              <a:t>O jogo pode ficar fácil e perder a graça</a:t>
             </a:r>
           </a:p>
           <a:p>
@@ -8334,7 +9622,28 @@
           <a:p>
             <a:r>
               <a:rPr lang="pt-BR" dirty="0"/>
-              <a:t>Uma solução é acrescentar instruções condicionais para mudar o comportamento do objeto ou selecionar outro padrão</a:t>
+              <a:t>O sistema é flexível o suficiente para ser estendido</a:t>
+            </a:r>
+          </a:p>
+          <a:p>
+            <a:pPr lvl="1"/>
+            <a:r>
+              <a:rPr lang="pt-BR" dirty="0"/>
+              <a:t>Uma solução é acrescentar instruções para mudar o </a:t>
+            </a:r>
+            <a:br>
+              <a:rPr lang="pt-BR" dirty="0"/>
+            </a:br>
+            <a:r>
+              <a:rPr lang="pt-BR" dirty="0"/>
+              <a:t>comportamento do objeto ou selecionar outro </a:t>
+            </a:r>
+            <a:br>
+              <a:rPr lang="pt-BR" dirty="0"/>
+            </a:br>
+            <a:r>
+              <a:rPr lang="pt-BR" dirty="0"/>
+              <a:t>padrão com base em condições</a:t>
             </a:r>
           </a:p>
         </p:txBody>
@@ -8369,8 +9678,8 @@
         </p:nvSpPr>
         <p:spPr>
           <a:xfrm>
-            <a:off x="983432" y="4941168"/>
-            <a:ext cx="2938625" cy="646331"/>
+            <a:off x="1271464" y="4869160"/>
+            <a:ext cx="2988319" cy="646331"/>
           </a:xfrm>
           <a:prstGeom prst="rect">
             <a:avLst/>
@@ -8391,9 +9700,11 @@
                   </a:schemeClr>
                 </a:solidFill>
               </a:rPr>
-              <a:t>TEST_DISTANCE  70 FIRE</a:t>
-            </a:r>
-            <a:br>
+              <a:t>DISTANCE 70 AtTack</a:t>
+            </a:r>
+          </a:p>
+          <a:p>
+            <a:r>
               <a:rPr lang="pt-BR" cap="all" dirty="0">
                 <a:solidFill>
                   <a:schemeClr val="bg1">
@@ -8401,16 +9712,7 @@
                   </a:schemeClr>
                 </a:solidFill>
               </a:rPr>
-            </a:br>
-            <a:r>
-              <a:rPr lang="pt-BR" cap="all" dirty="0">
-                <a:solidFill>
-                  <a:schemeClr val="bg1">
-                    <a:lumMod val="75000"/>
-                  </a:schemeClr>
-                </a:solidFill>
-              </a:rPr>
-              <a:t>JUMP_IF 3 2 45 </a:t>
+              <a:t>JUMP_IF_LT Speed 3.0 45</a:t>
             </a:r>
           </a:p>
         </p:txBody>
@@ -8614,6 +9916,9 @@
   <p:clrMapOvr>
     <a:masterClrMapping/>
   </p:clrMapOvr>
+  <p:transition spd="slow">
+    <p:wipe/>
+  </p:transition>
 </p:sld>
 </file>
 
@@ -8651,43 +9956,11 @@
           <a:p>
             <a:r>
               <a:rPr lang="pt-BR" dirty="0"/>
-              <a:t>Padrões e Scripts são técnicas utilizadas para controlar </a:t>
-            </a:r>
-            <a:r>
-              <a:rPr lang="pt-BR" dirty="0" err="1"/>
-              <a:t>NPCs</a:t>
-            </a:r>
-            <a:endParaRPr lang="pt-BR" dirty="0"/>
-          </a:p>
-          <a:p>
-            <a:pPr lvl="1"/>
-            <a:r>
+              <a:t>Padrões e Scripts são técnicas utilizadas para </a:t>
+            </a:r>
+            <a:br>
               <a:rPr lang="pt-BR" dirty="0"/>
-              <a:t>Criação de uma linguagem de script</a:t>
-            </a:r>
-          </a:p>
-          <a:p>
-            <a:pPr lvl="1"/>
-            <a:r>
-              <a:rPr lang="pt-BR" dirty="0"/>
-              <a:t>Interpretador de scripts</a:t>
-            </a:r>
-          </a:p>
-          <a:p>
-            <a:pPr lvl="1"/>
-            <a:r>
-              <a:rPr lang="pt-BR" dirty="0"/>
-              <a:t>Gravação de padrões</a:t>
-            </a:r>
-          </a:p>
-          <a:p>
-            <a:endParaRPr lang="pt-BR" dirty="0"/>
-          </a:p>
-          <a:p>
-            <a:r>
-              <a:rPr lang="pt-BR" dirty="0"/>
-              <a:t>A técnica pode ser complementada por </a:t>
-            </a:r>
+            </a:br>
             <a:r>
               <a:rPr lang="pt-BR" dirty="0">
                 <a:solidFill>
@@ -8696,11 +9969,62 @@
                   </a:schemeClr>
                 </a:solidFill>
               </a:rPr>
-              <a:t>máquinas de estados </a:t>
+              <a:t>controlar NPCs</a:t>
             </a:r>
             <a:r>
               <a:rPr lang="pt-BR" dirty="0"/>
-              <a:t>para a seleção do script apropriado em cada situação</a:t>
+              <a:t>:</a:t>
+            </a:r>
+          </a:p>
+          <a:p>
+            <a:pPr lvl="1"/>
+            <a:r>
+              <a:rPr lang="pt-BR" dirty="0"/>
+              <a:t>Criação de uma linguagem de script</a:t>
+            </a:r>
+          </a:p>
+          <a:p>
+            <a:pPr lvl="1"/>
+            <a:r>
+              <a:rPr lang="pt-BR" dirty="0"/>
+              <a:t>Interpretador de scripts</a:t>
+            </a:r>
+          </a:p>
+          <a:p>
+            <a:pPr lvl="1"/>
+            <a:r>
+              <a:rPr lang="pt-BR" dirty="0"/>
+              <a:t>Gravação de padrões</a:t>
+            </a:r>
+          </a:p>
+          <a:p>
+            <a:endParaRPr lang="pt-BR" dirty="0"/>
+          </a:p>
+          <a:p>
+            <a:r>
+              <a:rPr lang="pt-BR" dirty="0"/>
+              <a:t>A técnica pode ser complementada por </a:t>
+            </a:r>
+            <a:r>
+              <a:rPr lang="pt-BR" dirty="0">
+                <a:solidFill>
+                  <a:schemeClr val="accent1">
+                    <a:lumMod val="75000"/>
+                  </a:schemeClr>
+                </a:solidFill>
+              </a:rPr>
+              <a:t>máquinas de estados ou árvores de decisão </a:t>
+            </a:r>
+            <a:r>
+              <a:rPr lang="pt-BR" dirty="0"/>
+              <a:t>para a seleção do script apropriado </a:t>
+            </a:r>
+            <a:br>
+              <a:rPr lang="pt-BR" dirty="0"/>
+            </a:br>
+            <a:r>
+              <a:rPr lang="pt-BR" dirty="0"/>
+              <a:t>em cada situação</a:t>
             </a:r>
           </a:p>
           <a:p>
@@ -8741,6 +10065,9 @@
   <p:clrMapOvr>
     <a:masterClrMapping/>
   </p:clrMapOvr>
+  <p:transition spd="slow">
+    <p:wipe/>
+  </p:transition>
 </p:sld>
 </file>
 
